--- a/병진/1team project.pptx
+++ b/병진/1team project.pptx
@@ -117,6 +117,11 @@
       </a:defRPr>
     </a:lvl9pPr>
   </p:defaultTextStyle>
+  <p:extLst>
+    <p:ext uri="{EFAFB233-063F-42B5-8137-9DF3F51BA10A}">
+      <p15:sldGuideLst xmlns:p15="http://schemas.microsoft.com/office/powerpoint/2012/main"/>
+    </p:ext>
+  </p:extLst>
 </p:presentation>
 </file>
 
@@ -3437,6 +3442,14 @@
         </dgm:presLayoutVars>
       </dgm:prSet>
       <dgm:spPr/>
+      <dgm:t>
+        <a:bodyPr/>
+        <a:lstStyle/>
+        <a:p>
+          <a:pPr latinLnBrk="1"/>
+          <a:endParaRPr lang="ko-KR" altLang="en-US"/>
+        </a:p>
+      </dgm:t>
     </dgm:pt>
     <dgm:pt modelId="{4CC8A1C6-CF1A-438F-B0BE-F79B3A115575}" type="pres">
       <dgm:prSet presAssocID="{27A15F4B-1943-4EC1-8445-9FE7DB5D649B}" presName="node" presStyleLbl="node1" presStyleIdx="0" presStyleCnt="5" custLinFactNeighborX="47" custLinFactNeighborY="-4756">
@@ -3445,14 +3458,38 @@
         </dgm:presLayoutVars>
       </dgm:prSet>
       <dgm:spPr/>
+      <dgm:t>
+        <a:bodyPr/>
+        <a:lstStyle/>
+        <a:p>
+          <a:pPr latinLnBrk="1"/>
+          <a:endParaRPr lang="ko-KR" altLang="en-US"/>
+        </a:p>
+      </dgm:t>
     </dgm:pt>
     <dgm:pt modelId="{C2B370F1-B855-4CCE-9311-07F24EB457A8}" type="pres">
       <dgm:prSet presAssocID="{DB2C0B4E-75B8-4B1A-98C2-F94076E94961}" presName="sibTrans" presStyleLbl="sibTrans2D1" presStyleIdx="0" presStyleCnt="4"/>
       <dgm:spPr/>
+      <dgm:t>
+        <a:bodyPr/>
+        <a:lstStyle/>
+        <a:p>
+          <a:pPr latinLnBrk="1"/>
+          <a:endParaRPr lang="ko-KR" altLang="en-US"/>
+        </a:p>
+      </dgm:t>
     </dgm:pt>
     <dgm:pt modelId="{58059C38-DC48-4299-B21D-8E95B1394848}" type="pres">
       <dgm:prSet presAssocID="{DB2C0B4E-75B8-4B1A-98C2-F94076E94961}" presName="connectorText" presStyleLbl="sibTrans2D1" presStyleIdx="0" presStyleCnt="4"/>
       <dgm:spPr/>
+      <dgm:t>
+        <a:bodyPr/>
+        <a:lstStyle/>
+        <a:p>
+          <a:pPr latinLnBrk="1"/>
+          <a:endParaRPr lang="ko-KR" altLang="en-US"/>
+        </a:p>
+      </dgm:t>
     </dgm:pt>
     <dgm:pt modelId="{C6124DB4-7F15-4162-AE01-BB039538FF64}" type="pres">
       <dgm:prSet presAssocID="{64513A14-3DF7-46AB-97F5-4F79E4BEC5D7}" presName="node" presStyleLbl="node1" presStyleIdx="1" presStyleCnt="5" custLinFactNeighborX="47" custLinFactNeighborY="-4756">
@@ -3461,14 +3498,38 @@
         </dgm:presLayoutVars>
       </dgm:prSet>
       <dgm:spPr/>
+      <dgm:t>
+        <a:bodyPr/>
+        <a:lstStyle/>
+        <a:p>
+          <a:pPr latinLnBrk="1"/>
+          <a:endParaRPr lang="ko-KR" altLang="en-US"/>
+        </a:p>
+      </dgm:t>
     </dgm:pt>
     <dgm:pt modelId="{69D636D1-5F12-4774-A73C-6D45DBB07964}" type="pres">
       <dgm:prSet presAssocID="{61FF1F4C-FDF7-4868-BA86-22D43E4F5491}" presName="sibTrans" presStyleLbl="sibTrans2D1" presStyleIdx="1" presStyleCnt="4"/>
       <dgm:spPr/>
+      <dgm:t>
+        <a:bodyPr/>
+        <a:lstStyle/>
+        <a:p>
+          <a:pPr latinLnBrk="1"/>
+          <a:endParaRPr lang="ko-KR" altLang="en-US"/>
+        </a:p>
+      </dgm:t>
     </dgm:pt>
     <dgm:pt modelId="{24C8D23E-54BC-4A72-830A-D8B858D79BBB}" type="pres">
       <dgm:prSet presAssocID="{61FF1F4C-FDF7-4868-BA86-22D43E4F5491}" presName="connectorText" presStyleLbl="sibTrans2D1" presStyleIdx="1" presStyleCnt="4"/>
       <dgm:spPr/>
+      <dgm:t>
+        <a:bodyPr/>
+        <a:lstStyle/>
+        <a:p>
+          <a:pPr latinLnBrk="1"/>
+          <a:endParaRPr lang="ko-KR" altLang="en-US"/>
+        </a:p>
+      </dgm:t>
     </dgm:pt>
     <dgm:pt modelId="{E4698B57-E857-4ED1-ABFE-7553BB5C8B43}" type="pres">
       <dgm:prSet presAssocID="{6B697441-D413-47E9-8DB2-12787CEBF552}" presName="node" presStyleLbl="node1" presStyleIdx="2" presStyleCnt="5" custLinFactNeighborX="47" custLinFactNeighborY="-4756">
@@ -3477,14 +3538,38 @@
         </dgm:presLayoutVars>
       </dgm:prSet>
       <dgm:spPr/>
+      <dgm:t>
+        <a:bodyPr/>
+        <a:lstStyle/>
+        <a:p>
+          <a:pPr latinLnBrk="1"/>
+          <a:endParaRPr lang="ko-KR" altLang="en-US"/>
+        </a:p>
+      </dgm:t>
     </dgm:pt>
     <dgm:pt modelId="{2848EFEE-546D-4FCF-9D7B-95CE9553A14D}" type="pres">
       <dgm:prSet presAssocID="{7BFCF73C-D5F8-46CF-B46D-B75F2539D506}" presName="sibTrans" presStyleLbl="sibTrans2D1" presStyleIdx="2" presStyleCnt="4"/>
       <dgm:spPr/>
+      <dgm:t>
+        <a:bodyPr/>
+        <a:lstStyle/>
+        <a:p>
+          <a:pPr latinLnBrk="1"/>
+          <a:endParaRPr lang="ko-KR" altLang="en-US"/>
+        </a:p>
+      </dgm:t>
     </dgm:pt>
     <dgm:pt modelId="{8942248B-A364-43AE-8B35-FF437AD86767}" type="pres">
       <dgm:prSet presAssocID="{7BFCF73C-D5F8-46CF-B46D-B75F2539D506}" presName="connectorText" presStyleLbl="sibTrans2D1" presStyleIdx="2" presStyleCnt="4"/>
       <dgm:spPr/>
+      <dgm:t>
+        <a:bodyPr/>
+        <a:lstStyle/>
+        <a:p>
+          <a:pPr latinLnBrk="1"/>
+          <a:endParaRPr lang="ko-KR" altLang="en-US"/>
+        </a:p>
+      </dgm:t>
     </dgm:pt>
     <dgm:pt modelId="{7630BE86-D6B9-4685-8119-280CC254062A}" type="pres">
       <dgm:prSet presAssocID="{EC804F59-EB38-4767-80E3-BA77A862800A}" presName="node" presStyleLbl="node1" presStyleIdx="3" presStyleCnt="5" custLinFactNeighborX="47" custLinFactNeighborY="-4756">
@@ -3505,10 +3590,26 @@
     <dgm:pt modelId="{67589FAC-59A2-49E8-93CD-118E41C498A3}" type="pres">
       <dgm:prSet presAssocID="{31BA5EA2-ACD0-482E-B5CB-1BC58A7B1BCB}" presName="sibTrans" presStyleLbl="sibTrans2D1" presStyleIdx="3" presStyleCnt="4"/>
       <dgm:spPr/>
+      <dgm:t>
+        <a:bodyPr/>
+        <a:lstStyle/>
+        <a:p>
+          <a:pPr latinLnBrk="1"/>
+          <a:endParaRPr lang="ko-KR" altLang="en-US"/>
+        </a:p>
+      </dgm:t>
     </dgm:pt>
     <dgm:pt modelId="{C04216C5-EC99-49B4-A31C-10CC51993746}" type="pres">
       <dgm:prSet presAssocID="{31BA5EA2-ACD0-482E-B5CB-1BC58A7B1BCB}" presName="connectorText" presStyleLbl="sibTrans2D1" presStyleIdx="3" presStyleCnt="4"/>
       <dgm:spPr/>
+      <dgm:t>
+        <a:bodyPr/>
+        <a:lstStyle/>
+        <a:p>
+          <a:pPr latinLnBrk="1"/>
+          <a:endParaRPr lang="ko-KR" altLang="en-US"/>
+        </a:p>
+      </dgm:t>
     </dgm:pt>
     <dgm:pt modelId="{4FDBA213-041B-49C9-9EA2-37FE74C309F2}" type="pres">
       <dgm:prSet presAssocID="{F2B7F498-A3F6-42CF-A33D-CF0A239D8F4D}" presName="node" presStyleLbl="node1" presStyleIdx="4" presStyleCnt="5" custLinFactNeighborX="47" custLinFactNeighborY="-4756">
@@ -3528,25 +3629,25 @@
     </dgm:pt>
   </dgm:ptLst>
   <dgm:cxnLst>
+    <dgm:cxn modelId="{9C7E51AF-C0CE-41CA-AA85-7B370AB247DC}" type="presOf" srcId="{31BA5EA2-ACD0-482E-B5CB-1BC58A7B1BCB}" destId="{67589FAC-59A2-49E8-93CD-118E41C498A3}" srcOrd="0" destOrd="0" presId="urn:microsoft.com/office/officeart/2005/8/layout/process5"/>
+    <dgm:cxn modelId="{AF300610-1672-46EB-9679-A084B32F7AED}" type="presOf" srcId="{DB2C0B4E-75B8-4B1A-98C2-F94076E94961}" destId="{58059C38-DC48-4299-B21D-8E95B1394848}" srcOrd="1" destOrd="0" presId="urn:microsoft.com/office/officeart/2005/8/layout/process5"/>
+    <dgm:cxn modelId="{DD8DED59-FEC1-474C-A27F-9933B0C4350F}" type="presOf" srcId="{61FF1F4C-FDF7-4868-BA86-22D43E4F5491}" destId="{24C8D23E-54BC-4A72-830A-D8B858D79BBB}" srcOrd="1" destOrd="0" presId="urn:microsoft.com/office/officeart/2005/8/layout/process5"/>
+    <dgm:cxn modelId="{78B5AB18-83FC-4ACE-9789-211B79A1E99E}" srcId="{6AE4E969-6728-42E9-904A-72F8249A6316}" destId="{F2B7F498-A3F6-42CF-A33D-CF0A239D8F4D}" srcOrd="4" destOrd="0" parTransId="{B94BF9D0-A2EE-4AEC-A78E-16FFC8EE9866}" sibTransId="{628287CB-824A-4908-935F-147AA70928E2}"/>
+    <dgm:cxn modelId="{B400136C-0952-4F2B-995B-88ABE9F73911}" srcId="{6AE4E969-6728-42E9-904A-72F8249A6316}" destId="{6B697441-D413-47E9-8DB2-12787CEBF552}" srcOrd="2" destOrd="0" parTransId="{E95BF23D-6CBF-4A40-91C5-A2415BFCB7AD}" sibTransId="{7BFCF73C-D5F8-46CF-B46D-B75F2539D506}"/>
+    <dgm:cxn modelId="{3BC1B61C-6B09-4A74-884A-1B053E7DFC11}" type="presOf" srcId="{EC804F59-EB38-4767-80E3-BA77A862800A}" destId="{7630BE86-D6B9-4685-8119-280CC254062A}" srcOrd="0" destOrd="0" presId="urn:microsoft.com/office/officeart/2005/8/layout/process5"/>
+    <dgm:cxn modelId="{C2D1F8C1-AA31-4A54-A26D-03EE5FFBA365}" type="presOf" srcId="{6B697441-D413-47E9-8DB2-12787CEBF552}" destId="{E4698B57-E857-4ED1-ABFE-7553BB5C8B43}" srcOrd="0" destOrd="0" presId="urn:microsoft.com/office/officeart/2005/8/layout/process5"/>
+    <dgm:cxn modelId="{65188860-EE99-4C03-ADF4-162C16D95346}" srcId="{6AE4E969-6728-42E9-904A-72F8249A6316}" destId="{64513A14-3DF7-46AB-97F5-4F79E4BEC5D7}" srcOrd="1" destOrd="0" parTransId="{48C9CB95-0935-4BDC-870E-FE8D2D498771}" sibTransId="{61FF1F4C-FDF7-4868-BA86-22D43E4F5491}"/>
     <dgm:cxn modelId="{1D3495FB-C4AE-4F83-B401-032B60514381}" srcId="{6AE4E969-6728-42E9-904A-72F8249A6316}" destId="{EC804F59-EB38-4767-80E3-BA77A862800A}" srcOrd="3" destOrd="0" parTransId="{6ADB57F6-139D-4941-B954-6C83C333B966}" sibTransId="{31BA5EA2-ACD0-482E-B5CB-1BC58A7B1BCB}"/>
-    <dgm:cxn modelId="{3BC1B61C-6B09-4A74-884A-1B053E7DFC11}" type="presOf" srcId="{EC804F59-EB38-4767-80E3-BA77A862800A}" destId="{7630BE86-D6B9-4685-8119-280CC254062A}" srcOrd="0" destOrd="0" presId="urn:microsoft.com/office/officeart/2005/8/layout/process5"/>
+    <dgm:cxn modelId="{AD8BF04C-553F-4381-AA19-A7D22CEEBF9A}" type="presOf" srcId="{7BFCF73C-D5F8-46CF-B46D-B75F2539D506}" destId="{2848EFEE-546D-4FCF-9D7B-95CE9553A14D}" srcOrd="0" destOrd="0" presId="urn:microsoft.com/office/officeart/2005/8/layout/process5"/>
+    <dgm:cxn modelId="{2D386739-5F4F-4511-9A3D-66168A1ED39D}" type="presOf" srcId="{7BFCF73C-D5F8-46CF-B46D-B75F2539D506}" destId="{8942248B-A364-43AE-8B35-FF437AD86767}" srcOrd="1" destOrd="0" presId="urn:microsoft.com/office/officeart/2005/8/layout/process5"/>
+    <dgm:cxn modelId="{46A0A258-2046-4207-A026-E3914744DAA1}" srcId="{6AE4E969-6728-42E9-904A-72F8249A6316}" destId="{27A15F4B-1943-4EC1-8445-9FE7DB5D649B}" srcOrd="0" destOrd="0" parTransId="{A9C731C6-B62C-47AF-918A-DC715373371B}" sibTransId="{DB2C0B4E-75B8-4B1A-98C2-F94076E94961}"/>
+    <dgm:cxn modelId="{50E63DCD-795D-4EE2-BC70-AE67FDAE68B4}" type="presOf" srcId="{61FF1F4C-FDF7-4868-BA86-22D43E4F5491}" destId="{69D636D1-5F12-4774-A73C-6D45DBB07964}" srcOrd="0" destOrd="0" presId="urn:microsoft.com/office/officeart/2005/8/layout/process5"/>
+    <dgm:cxn modelId="{8502E4F6-EEC1-40F7-8601-24E1652F446F}" type="presOf" srcId="{F2B7F498-A3F6-42CF-A33D-CF0A239D8F4D}" destId="{4FDBA213-041B-49C9-9EA2-37FE74C309F2}" srcOrd="0" destOrd="0" presId="urn:microsoft.com/office/officeart/2005/8/layout/process5"/>
+    <dgm:cxn modelId="{7698A302-D185-4FAE-82CD-2AB080934912}" type="presOf" srcId="{DB2C0B4E-75B8-4B1A-98C2-F94076E94961}" destId="{C2B370F1-B855-4CCE-9311-07F24EB457A8}" srcOrd="0" destOrd="0" presId="urn:microsoft.com/office/officeart/2005/8/layout/process5"/>
+    <dgm:cxn modelId="{61FC11B6-8C55-4359-BF7E-F1D124676F6A}" type="presOf" srcId="{31BA5EA2-ACD0-482E-B5CB-1BC58A7B1BCB}" destId="{C04216C5-EC99-49B4-A31C-10CC51993746}" srcOrd="1" destOrd="0" presId="urn:microsoft.com/office/officeart/2005/8/layout/process5"/>
     <dgm:cxn modelId="{CD0C0860-4958-4937-9F7D-E41678E7E4EB}" type="presOf" srcId="{6AE4E969-6728-42E9-904A-72F8249A6316}" destId="{7BA5677A-B295-44AB-A352-3C6D70621368}" srcOrd="0" destOrd="0" presId="urn:microsoft.com/office/officeart/2005/8/layout/process5"/>
-    <dgm:cxn modelId="{DD8DED59-FEC1-474C-A27F-9933B0C4350F}" type="presOf" srcId="{61FF1F4C-FDF7-4868-BA86-22D43E4F5491}" destId="{24C8D23E-54BC-4A72-830A-D8B858D79BBB}" srcOrd="1" destOrd="0" presId="urn:microsoft.com/office/officeart/2005/8/layout/process5"/>
-    <dgm:cxn modelId="{65188860-EE99-4C03-ADF4-162C16D95346}" srcId="{6AE4E969-6728-42E9-904A-72F8249A6316}" destId="{64513A14-3DF7-46AB-97F5-4F79E4BEC5D7}" srcOrd="1" destOrd="0" parTransId="{48C9CB95-0935-4BDC-870E-FE8D2D498771}" sibTransId="{61FF1F4C-FDF7-4868-BA86-22D43E4F5491}"/>
-    <dgm:cxn modelId="{2D386739-5F4F-4511-9A3D-66168A1ED39D}" type="presOf" srcId="{7BFCF73C-D5F8-46CF-B46D-B75F2539D506}" destId="{8942248B-A364-43AE-8B35-FF437AD86767}" srcOrd="1" destOrd="0" presId="urn:microsoft.com/office/officeart/2005/8/layout/process5"/>
-    <dgm:cxn modelId="{9C7E51AF-C0CE-41CA-AA85-7B370AB247DC}" type="presOf" srcId="{31BA5EA2-ACD0-482E-B5CB-1BC58A7B1BCB}" destId="{67589FAC-59A2-49E8-93CD-118E41C498A3}" srcOrd="0" destOrd="0" presId="urn:microsoft.com/office/officeart/2005/8/layout/process5"/>
-    <dgm:cxn modelId="{78B5AB18-83FC-4ACE-9789-211B79A1E99E}" srcId="{6AE4E969-6728-42E9-904A-72F8249A6316}" destId="{F2B7F498-A3F6-42CF-A33D-CF0A239D8F4D}" srcOrd="4" destOrd="0" parTransId="{B94BF9D0-A2EE-4AEC-A78E-16FFC8EE9866}" sibTransId="{628287CB-824A-4908-935F-147AA70928E2}"/>
-    <dgm:cxn modelId="{61FC11B6-8C55-4359-BF7E-F1D124676F6A}" type="presOf" srcId="{31BA5EA2-ACD0-482E-B5CB-1BC58A7B1BCB}" destId="{C04216C5-EC99-49B4-A31C-10CC51993746}" srcOrd="1" destOrd="0" presId="urn:microsoft.com/office/officeart/2005/8/layout/process5"/>
-    <dgm:cxn modelId="{C2D1F8C1-AA31-4A54-A26D-03EE5FFBA365}" type="presOf" srcId="{6B697441-D413-47E9-8DB2-12787CEBF552}" destId="{E4698B57-E857-4ED1-ABFE-7553BB5C8B43}" srcOrd="0" destOrd="0" presId="urn:microsoft.com/office/officeart/2005/8/layout/process5"/>
-    <dgm:cxn modelId="{AD8BF04C-553F-4381-AA19-A7D22CEEBF9A}" type="presOf" srcId="{7BFCF73C-D5F8-46CF-B46D-B75F2539D506}" destId="{2848EFEE-546D-4FCF-9D7B-95CE9553A14D}" srcOrd="0" destOrd="0" presId="urn:microsoft.com/office/officeart/2005/8/layout/process5"/>
-    <dgm:cxn modelId="{AF300610-1672-46EB-9679-A084B32F7AED}" type="presOf" srcId="{DB2C0B4E-75B8-4B1A-98C2-F94076E94961}" destId="{58059C38-DC48-4299-B21D-8E95B1394848}" srcOrd="1" destOrd="0" presId="urn:microsoft.com/office/officeart/2005/8/layout/process5"/>
-    <dgm:cxn modelId="{7698A302-D185-4FAE-82CD-2AB080934912}" type="presOf" srcId="{DB2C0B4E-75B8-4B1A-98C2-F94076E94961}" destId="{C2B370F1-B855-4CCE-9311-07F24EB457A8}" srcOrd="0" destOrd="0" presId="urn:microsoft.com/office/officeart/2005/8/layout/process5"/>
-    <dgm:cxn modelId="{8502E4F6-EEC1-40F7-8601-24E1652F446F}" type="presOf" srcId="{F2B7F498-A3F6-42CF-A33D-CF0A239D8F4D}" destId="{4FDBA213-041B-49C9-9EA2-37FE74C309F2}" srcOrd="0" destOrd="0" presId="urn:microsoft.com/office/officeart/2005/8/layout/process5"/>
-    <dgm:cxn modelId="{50E63DCD-795D-4EE2-BC70-AE67FDAE68B4}" type="presOf" srcId="{61FF1F4C-FDF7-4868-BA86-22D43E4F5491}" destId="{69D636D1-5F12-4774-A73C-6D45DBB07964}" srcOrd="0" destOrd="0" presId="urn:microsoft.com/office/officeart/2005/8/layout/process5"/>
+    <dgm:cxn modelId="{B36B6658-5673-445C-B094-5B1C5553DB6B}" type="presOf" srcId="{64513A14-3DF7-46AB-97F5-4F79E4BEC5D7}" destId="{C6124DB4-7F15-4162-AE01-BB039538FF64}" srcOrd="0" destOrd="0" presId="urn:microsoft.com/office/officeart/2005/8/layout/process5"/>
     <dgm:cxn modelId="{3B7CFC87-9CC2-4BFF-8542-B8C52079F31F}" type="presOf" srcId="{27A15F4B-1943-4EC1-8445-9FE7DB5D649B}" destId="{4CC8A1C6-CF1A-438F-B0BE-F79B3A115575}" srcOrd="0" destOrd="0" presId="urn:microsoft.com/office/officeart/2005/8/layout/process5"/>
-    <dgm:cxn modelId="{B36B6658-5673-445C-B094-5B1C5553DB6B}" type="presOf" srcId="{64513A14-3DF7-46AB-97F5-4F79E4BEC5D7}" destId="{C6124DB4-7F15-4162-AE01-BB039538FF64}" srcOrd="0" destOrd="0" presId="urn:microsoft.com/office/officeart/2005/8/layout/process5"/>
-    <dgm:cxn modelId="{46A0A258-2046-4207-A026-E3914744DAA1}" srcId="{6AE4E969-6728-42E9-904A-72F8249A6316}" destId="{27A15F4B-1943-4EC1-8445-9FE7DB5D649B}" srcOrd="0" destOrd="0" parTransId="{A9C731C6-B62C-47AF-918A-DC715373371B}" sibTransId="{DB2C0B4E-75B8-4B1A-98C2-F94076E94961}"/>
-    <dgm:cxn modelId="{B400136C-0952-4F2B-995B-88ABE9F73911}" srcId="{6AE4E969-6728-42E9-904A-72F8249A6316}" destId="{6B697441-D413-47E9-8DB2-12787CEBF552}" srcOrd="2" destOrd="0" parTransId="{E95BF23D-6CBF-4A40-91C5-A2415BFCB7AD}" sibTransId="{7BFCF73C-D5F8-46CF-B46D-B75F2539D506}"/>
     <dgm:cxn modelId="{3E58F73D-B5F1-42E1-80A5-D3C51A1F8816}" type="presParOf" srcId="{7BA5677A-B295-44AB-A352-3C6D70621368}" destId="{4CC8A1C6-CF1A-438F-B0BE-F79B3A115575}" srcOrd="0" destOrd="0" presId="urn:microsoft.com/office/officeart/2005/8/layout/process5"/>
     <dgm:cxn modelId="{8E1558BA-2569-4CFD-B6F1-E30C1B1E0E10}" type="presParOf" srcId="{7BA5677A-B295-44AB-A352-3C6D70621368}" destId="{C2B370F1-B855-4CCE-9311-07F24EB457A8}" srcOrd="1" destOrd="0" presId="urn:microsoft.com/office/officeart/2005/8/layout/process5"/>
     <dgm:cxn modelId="{9938C6F9-6F7E-413D-BC3D-136A5CE0C1B0}" type="presParOf" srcId="{C2B370F1-B855-4CCE-9311-07F24EB457A8}" destId="{58059C38-DC48-4299-B21D-8E95B1394848}" srcOrd="0" destOrd="0" presId="urn:microsoft.com/office/officeart/2005/8/layout/process5"/>
@@ -4378,6 +4479,14 @@
         </dgm:presLayoutVars>
       </dgm:prSet>
       <dgm:spPr/>
+      <dgm:t>
+        <a:bodyPr/>
+        <a:lstStyle/>
+        <a:p>
+          <a:pPr latinLnBrk="1"/>
+          <a:endParaRPr lang="ko-KR" altLang="en-US"/>
+        </a:p>
+      </dgm:t>
     </dgm:pt>
     <dgm:pt modelId="{0D84B56D-DA17-4B37-8C05-D1E13CA74699}" type="pres">
       <dgm:prSet presAssocID="{F40F5D2A-3401-4E73-B6B4-460FCB0A4F0C}" presName="composite" presStyleCnt="0"/>
@@ -4391,6 +4500,14 @@
         </dgm:presLayoutVars>
       </dgm:prSet>
       <dgm:spPr/>
+      <dgm:t>
+        <a:bodyPr/>
+        <a:lstStyle/>
+        <a:p>
+          <a:pPr latinLnBrk="1"/>
+          <a:endParaRPr lang="ko-KR" altLang="en-US"/>
+        </a:p>
+      </dgm:t>
     </dgm:pt>
     <dgm:pt modelId="{9606436E-D5FD-492F-8DAE-333A4FCFC8CC}" type="pres">
       <dgm:prSet presAssocID="{F40F5D2A-3401-4E73-B6B4-460FCB0A4F0C}" presName="descendantText" presStyleLbl="alignAcc1" presStyleIdx="0" presStyleCnt="3" custLinFactNeighborX="36802" custLinFactNeighborY="-57569">
@@ -4424,6 +4541,14 @@
         </dgm:presLayoutVars>
       </dgm:prSet>
       <dgm:spPr/>
+      <dgm:t>
+        <a:bodyPr/>
+        <a:lstStyle/>
+        <a:p>
+          <a:pPr latinLnBrk="1"/>
+          <a:endParaRPr lang="ko-KR" altLang="en-US"/>
+        </a:p>
+      </dgm:t>
     </dgm:pt>
     <dgm:pt modelId="{AD997530-C32E-4288-82D2-86E12DDAC701}" type="pres">
       <dgm:prSet presAssocID="{6570777E-5CDC-4A9E-B8FE-9CEE3F3C5D57}" presName="descendantText" presStyleLbl="alignAcc1" presStyleIdx="1" presStyleCnt="3" custLinFactNeighborX="0" custLinFactNeighborY="13622">
@@ -4473,38 +4598,46 @@
         </dgm:presLayoutVars>
       </dgm:prSet>
       <dgm:spPr/>
+      <dgm:t>
+        <a:bodyPr/>
+        <a:lstStyle/>
+        <a:p>
+          <a:pPr latinLnBrk="1"/>
+          <a:endParaRPr lang="ko-KR" altLang="en-US"/>
+        </a:p>
+      </dgm:t>
     </dgm:pt>
   </dgm:ptLst>
   <dgm:cxnLst>
+    <dgm:cxn modelId="{58595707-BD83-4AB1-9981-0DE290ECEC9D}" type="presOf" srcId="{4D124D1E-05AA-423B-99D5-A17AE280309D}" destId="{696A083D-E6BA-47F4-821B-303047D0379F}" srcOrd="0" destOrd="4" presId="urn:microsoft.com/office/officeart/2005/8/layout/chevron2"/>
+    <dgm:cxn modelId="{2EA26D9B-0C1A-4C7F-AC6B-57E4AF5EB4F9}" type="presOf" srcId="{F40F5D2A-3401-4E73-B6B4-460FCB0A4F0C}" destId="{86336071-5E26-44B9-B6A3-4FFF82FC9A1F}" srcOrd="0" destOrd="0" presId="urn:microsoft.com/office/officeart/2005/8/layout/chevron2"/>
+    <dgm:cxn modelId="{C139A693-79EF-4195-82AE-768B2B44850A}" srcId="{BD5560A5-917A-484C-8FD1-B18D06F915CD}" destId="{D863B9FF-2F3A-4436-BEED-23269C7395ED}" srcOrd="3" destOrd="0" parTransId="{3B56FA5E-1FBC-49B9-8BAD-3AB874928224}" sibTransId="{9FAF889C-162C-4CA1-865F-8DEA78E71A80}"/>
+    <dgm:cxn modelId="{D1A35322-EE36-41EB-BF26-6107FBFF540B}" type="presOf" srcId="{CE61EBD4-3E1F-4791-B088-3E8ED5BC5716}" destId="{696A083D-E6BA-47F4-821B-303047D0379F}" srcOrd="0" destOrd="2" presId="urn:microsoft.com/office/officeart/2005/8/layout/chevron2"/>
+    <dgm:cxn modelId="{635267FA-E155-40C3-A6E1-6F9F64D40AFA}" type="presOf" srcId="{4E2A81D4-8F46-4A64-8658-8DCC5C969C5F}" destId="{AD997530-C32E-4288-82D2-86E12DDAC701}" srcOrd="0" destOrd="1" presId="urn:microsoft.com/office/officeart/2005/8/layout/chevron2"/>
+    <dgm:cxn modelId="{52F690BB-1AD0-4A02-9E6F-6C77DC4AAF52}" type="presOf" srcId="{A411A966-737E-42B0-AE5C-E7499EFF3001}" destId="{696A083D-E6BA-47F4-821B-303047D0379F}" srcOrd="0" destOrd="0" presId="urn:microsoft.com/office/officeart/2005/8/layout/chevron2"/>
+    <dgm:cxn modelId="{CC9C4A08-7FDC-404E-BDC6-D1C225C1D861}" srcId="{F40F5D2A-3401-4E73-B6B4-460FCB0A4F0C}" destId="{E2D2EDFF-D456-4901-83C2-AF68FBA18598}" srcOrd="0" destOrd="0" parTransId="{0C6366EA-57F8-497B-B432-8A9F3D9E4C11}" sibTransId="{F3476D56-A5A6-4E1E-8242-F44466D2CB11}"/>
+    <dgm:cxn modelId="{96C3975C-D219-4F50-9210-AB6955E4B0DF}" type="presOf" srcId="{BD5560A5-917A-484C-8FD1-B18D06F915CD}" destId="{CEE8EE5C-E54E-417B-A505-72824773CB6B}" srcOrd="0" destOrd="0" presId="urn:microsoft.com/office/officeart/2005/8/layout/chevron2"/>
     <dgm:cxn modelId="{1782A60C-1FF7-45D8-B15B-331938BB03EA}" srcId="{BD5560A5-917A-484C-8FD1-B18D06F915CD}" destId="{A411A966-737E-42B0-AE5C-E7499EFF3001}" srcOrd="0" destOrd="0" parTransId="{56BE6563-78E1-4914-9880-A378D7D75A30}" sibTransId="{6EB67D25-FF63-48EF-B3C2-A3334669D43F}"/>
-    <dgm:cxn modelId="{C139A693-79EF-4195-82AE-768B2B44850A}" srcId="{BD5560A5-917A-484C-8FD1-B18D06F915CD}" destId="{D863B9FF-2F3A-4436-BEED-23269C7395ED}" srcOrd="3" destOrd="0" parTransId="{3B56FA5E-1FBC-49B9-8BAD-3AB874928224}" sibTransId="{9FAF889C-162C-4CA1-865F-8DEA78E71A80}"/>
+    <dgm:cxn modelId="{2B87233F-4DDE-4B43-ABE8-EC1FFB70A305}" type="presOf" srcId="{3A0B2663-072F-4EA4-9B9F-DCB7CD8E5E91}" destId="{AD997530-C32E-4288-82D2-86E12DDAC701}" srcOrd="0" destOrd="0" presId="urn:microsoft.com/office/officeart/2005/8/layout/chevron2"/>
+    <dgm:cxn modelId="{5FC971CA-9C01-4D82-97E2-09DB179ADF14}" type="presOf" srcId="{45249305-998E-431B-8B79-631397AA67B7}" destId="{696A083D-E6BA-47F4-821B-303047D0379F}" srcOrd="0" destOrd="1" presId="urn:microsoft.com/office/officeart/2005/8/layout/chevron2"/>
+    <dgm:cxn modelId="{E6BC8AE0-C134-4145-8A01-494EE601502F}" type="presOf" srcId="{3441DD51-1F0F-495A-9C3F-B1D532D4AD75}" destId="{AD997530-C32E-4288-82D2-86E12DDAC701}" srcOrd="0" destOrd="2" presId="urn:microsoft.com/office/officeart/2005/8/layout/chevron2"/>
+    <dgm:cxn modelId="{8E483548-36EE-4623-BDCF-75619062AA90}" type="presOf" srcId="{F0F784C6-DDBC-4696-89D3-B59D02733269}" destId="{9606436E-D5FD-492F-8DAE-333A4FCFC8CC}" srcOrd="0" destOrd="1" presId="urn:microsoft.com/office/officeart/2005/8/layout/chevron2"/>
+    <dgm:cxn modelId="{FFBF97E3-375D-422E-B5BD-C8DE1E79A888}" srcId="{BD5560A5-917A-484C-8FD1-B18D06F915CD}" destId="{F67C3D40-47FD-45F8-90D5-649F1207379E}" srcOrd="5" destOrd="0" parTransId="{1668C1EA-BAAE-4E67-A095-1731D24571C2}" sibTransId="{51FB2DCE-AE7D-4A49-9442-F38F7DE9497E}"/>
+    <dgm:cxn modelId="{54B60C25-F63D-473F-9393-EAAB29C02147}" type="presOf" srcId="{635E5A34-83F4-46AE-B25B-201D6523329E}" destId="{405C2776-D14A-416F-AB36-FA690F82B9FE}" srcOrd="0" destOrd="0" presId="urn:microsoft.com/office/officeart/2005/8/layout/chevron2"/>
+    <dgm:cxn modelId="{2AA88FC1-D481-4175-B057-CB185A2DCBDA}" srcId="{6570777E-5CDC-4A9E-B8FE-9CEE3F3C5D57}" destId="{4E2A81D4-8F46-4A64-8658-8DCC5C969C5F}" srcOrd="1" destOrd="0" parTransId="{F51DFC4B-8D49-47D0-9331-E704F87ECB8B}" sibTransId="{28F18518-8636-44C1-A7F3-3A20971B0177}"/>
+    <dgm:cxn modelId="{2E914DB9-AFD5-447B-B157-0FA9C28FC79B}" srcId="{BD5560A5-917A-484C-8FD1-B18D06F915CD}" destId="{4D124D1E-05AA-423B-99D5-A17AE280309D}" srcOrd="4" destOrd="0" parTransId="{FC746230-DDC8-435D-80EC-043A4E158508}" sibTransId="{9B15C7D6-8455-4F4E-AF12-CF69E53158F8}"/>
+    <dgm:cxn modelId="{371E0FF9-4A9F-4E70-B4F9-7AC3E116F630}" srcId="{635E5A34-83F4-46AE-B25B-201D6523329E}" destId="{6570777E-5CDC-4A9E-B8FE-9CEE3F3C5D57}" srcOrd="1" destOrd="0" parTransId="{073575E7-B3BF-41B0-94A1-CF2501DF2690}" sibTransId="{0A58286F-5F01-43E5-BA74-C48E84253098}"/>
+    <dgm:cxn modelId="{6EBABFF6-F1C7-41DE-BB7C-E1747522FFAF}" srcId="{635E5A34-83F4-46AE-B25B-201D6523329E}" destId="{BD5560A5-917A-484C-8FD1-B18D06F915CD}" srcOrd="2" destOrd="0" parTransId="{215FA007-35CC-4A6D-8A80-5BD1B7694B4E}" sibTransId="{83A8EFF0-CFAA-4AC5-A1CA-125403381629}"/>
+    <dgm:cxn modelId="{EB28E9F1-685A-49E9-95E4-B0F796AB0FEB}" srcId="{6570777E-5CDC-4A9E-B8FE-9CEE3F3C5D57}" destId="{3A0B2663-072F-4EA4-9B9F-DCB7CD8E5E91}" srcOrd="0" destOrd="0" parTransId="{1868BBF8-9781-4D4E-8C23-94DE432114CF}" sibTransId="{F2CDB6EE-8943-4801-B2CF-1F49FFFA3F01}"/>
+    <dgm:cxn modelId="{ED138D73-FC10-4E2B-B2A5-78514551260A}" type="presOf" srcId="{F67C3D40-47FD-45F8-90D5-649F1207379E}" destId="{696A083D-E6BA-47F4-821B-303047D0379F}" srcOrd="0" destOrd="5" presId="urn:microsoft.com/office/officeart/2005/8/layout/chevron2"/>
+    <dgm:cxn modelId="{F37D8BD1-61DC-4740-B631-017C85DCA854}" type="presOf" srcId="{D863B9FF-2F3A-4436-BEED-23269C7395ED}" destId="{696A083D-E6BA-47F4-821B-303047D0379F}" srcOrd="0" destOrd="3" presId="urn:microsoft.com/office/officeart/2005/8/layout/chevron2"/>
+    <dgm:cxn modelId="{5E343905-0116-402B-8332-D87AA7EACC88}" type="presOf" srcId="{6570777E-5CDC-4A9E-B8FE-9CEE3F3C5D57}" destId="{BE4200A7-3911-43BC-A1B7-CF67BB530728}" srcOrd="0" destOrd="0" presId="urn:microsoft.com/office/officeart/2005/8/layout/chevron2"/>
     <dgm:cxn modelId="{14DADEF1-46C5-4CDC-8C9F-19A83CBF9FCC}" srcId="{635E5A34-83F4-46AE-B25B-201D6523329E}" destId="{F40F5D2A-3401-4E73-B6B4-460FCB0A4F0C}" srcOrd="0" destOrd="0" parTransId="{561D9170-B01C-4466-A5CE-CFD4B3D2BE5C}" sibTransId="{B24A028A-D9E6-47B3-A8FE-AF21E699586D}"/>
-    <dgm:cxn modelId="{2AA88FC1-D481-4175-B057-CB185A2DCBDA}" srcId="{6570777E-5CDC-4A9E-B8FE-9CEE3F3C5D57}" destId="{4E2A81D4-8F46-4A64-8658-8DCC5C969C5F}" srcOrd="1" destOrd="0" parTransId="{F51DFC4B-8D49-47D0-9331-E704F87ECB8B}" sibTransId="{28F18518-8636-44C1-A7F3-3A20971B0177}"/>
-    <dgm:cxn modelId="{371E0FF9-4A9F-4E70-B4F9-7AC3E116F630}" srcId="{635E5A34-83F4-46AE-B25B-201D6523329E}" destId="{6570777E-5CDC-4A9E-B8FE-9CEE3F3C5D57}" srcOrd="1" destOrd="0" parTransId="{073575E7-B3BF-41B0-94A1-CF2501DF2690}" sibTransId="{0A58286F-5F01-43E5-BA74-C48E84253098}"/>
-    <dgm:cxn modelId="{635267FA-E155-40C3-A6E1-6F9F64D40AFA}" type="presOf" srcId="{4E2A81D4-8F46-4A64-8658-8DCC5C969C5F}" destId="{AD997530-C32E-4288-82D2-86E12DDAC701}" srcOrd="0" destOrd="1" presId="urn:microsoft.com/office/officeart/2005/8/layout/chevron2"/>
-    <dgm:cxn modelId="{58595707-BD83-4AB1-9981-0DE290ECEC9D}" type="presOf" srcId="{4D124D1E-05AA-423B-99D5-A17AE280309D}" destId="{696A083D-E6BA-47F4-821B-303047D0379F}" srcOrd="0" destOrd="4" presId="urn:microsoft.com/office/officeart/2005/8/layout/chevron2"/>
-    <dgm:cxn modelId="{54B60C25-F63D-473F-9393-EAAB29C02147}" type="presOf" srcId="{635E5A34-83F4-46AE-B25B-201D6523329E}" destId="{405C2776-D14A-416F-AB36-FA690F82B9FE}" srcOrd="0" destOrd="0" presId="urn:microsoft.com/office/officeart/2005/8/layout/chevron2"/>
-    <dgm:cxn modelId="{ED138D73-FC10-4E2B-B2A5-78514551260A}" type="presOf" srcId="{F67C3D40-47FD-45F8-90D5-649F1207379E}" destId="{696A083D-E6BA-47F4-821B-303047D0379F}" srcOrd="0" destOrd="5" presId="urn:microsoft.com/office/officeart/2005/8/layout/chevron2"/>
-    <dgm:cxn modelId="{D1A35322-EE36-41EB-BF26-6107FBFF540B}" type="presOf" srcId="{CE61EBD4-3E1F-4791-B088-3E8ED5BC5716}" destId="{696A083D-E6BA-47F4-821B-303047D0379F}" srcOrd="0" destOrd="2" presId="urn:microsoft.com/office/officeart/2005/8/layout/chevron2"/>
-    <dgm:cxn modelId="{F37D8BD1-61DC-4740-B631-017C85DCA854}" type="presOf" srcId="{D863B9FF-2F3A-4436-BEED-23269C7395ED}" destId="{696A083D-E6BA-47F4-821B-303047D0379F}" srcOrd="0" destOrd="3" presId="urn:microsoft.com/office/officeart/2005/8/layout/chevron2"/>
-    <dgm:cxn modelId="{EB28E9F1-685A-49E9-95E4-B0F796AB0FEB}" srcId="{6570777E-5CDC-4A9E-B8FE-9CEE3F3C5D57}" destId="{3A0B2663-072F-4EA4-9B9F-DCB7CD8E5E91}" srcOrd="0" destOrd="0" parTransId="{1868BBF8-9781-4D4E-8C23-94DE432114CF}" sibTransId="{F2CDB6EE-8943-4801-B2CF-1F49FFFA3F01}"/>
-    <dgm:cxn modelId="{2EA26D9B-0C1A-4C7F-AC6B-57E4AF5EB4F9}" type="presOf" srcId="{F40F5D2A-3401-4E73-B6B4-460FCB0A4F0C}" destId="{86336071-5E26-44B9-B6A3-4FFF82FC9A1F}" srcOrd="0" destOrd="0" presId="urn:microsoft.com/office/officeart/2005/8/layout/chevron2"/>
-    <dgm:cxn modelId="{2E914DB9-AFD5-447B-B157-0FA9C28FC79B}" srcId="{BD5560A5-917A-484C-8FD1-B18D06F915CD}" destId="{4D124D1E-05AA-423B-99D5-A17AE280309D}" srcOrd="4" destOrd="0" parTransId="{FC746230-DDC8-435D-80EC-043A4E158508}" sibTransId="{9B15C7D6-8455-4F4E-AF12-CF69E53158F8}"/>
-    <dgm:cxn modelId="{E6BC8AE0-C134-4145-8A01-494EE601502F}" type="presOf" srcId="{3441DD51-1F0F-495A-9C3F-B1D532D4AD75}" destId="{AD997530-C32E-4288-82D2-86E12DDAC701}" srcOrd="0" destOrd="2" presId="urn:microsoft.com/office/officeart/2005/8/layout/chevron2"/>
+    <dgm:cxn modelId="{2E20D2DF-92F5-4464-B501-40E50451ADCE}" srcId="{F40F5D2A-3401-4E73-B6B4-460FCB0A4F0C}" destId="{F0F784C6-DDBC-4696-89D3-B59D02733269}" srcOrd="1" destOrd="0" parTransId="{074A22D7-8E09-499A-BEC2-F666021A6903}" sibTransId="{7DD5F233-A91E-4920-9C36-E524B4C0312B}"/>
+    <dgm:cxn modelId="{FF8910E5-B7AE-45F5-9F58-9D66F15D9A24}" srcId="{BD5560A5-917A-484C-8FD1-B18D06F915CD}" destId="{CE61EBD4-3E1F-4791-B088-3E8ED5BC5716}" srcOrd="2" destOrd="0" parTransId="{CF33BDC9-3ABB-4E41-BFF8-BB217EDC6755}" sibTransId="{C9631522-D6D9-4FEC-9B16-AC5A3B6C52EF}"/>
+    <dgm:cxn modelId="{2B477198-D36A-46D7-BC22-2B9414D5BF36}" type="presOf" srcId="{E2D2EDFF-D456-4901-83C2-AF68FBA18598}" destId="{9606436E-D5FD-492F-8DAE-333A4FCFC8CC}" srcOrd="0" destOrd="0" presId="urn:microsoft.com/office/officeart/2005/8/layout/chevron2"/>
+    <dgm:cxn modelId="{D6506907-42A9-483B-B512-724F030F8921}" srcId="{6570777E-5CDC-4A9E-B8FE-9CEE3F3C5D57}" destId="{3441DD51-1F0F-495A-9C3F-B1D532D4AD75}" srcOrd="2" destOrd="0" parTransId="{3140934C-D480-4B75-A74D-C36B223D548A}" sibTransId="{245CABA1-CDE7-4276-B2C5-2481608B9BBA}"/>
     <dgm:cxn modelId="{7A4E9539-95DE-433A-8DC9-94D939FE6F43}" srcId="{BD5560A5-917A-484C-8FD1-B18D06F915CD}" destId="{45249305-998E-431B-8B79-631397AA67B7}" srcOrd="1" destOrd="0" parTransId="{D4E87C68-B9F2-4EFC-9A30-BF8B8A36D705}" sibTransId="{34497A8A-60C1-4E0B-A676-0D25ABB8375A}"/>
-    <dgm:cxn modelId="{5FC971CA-9C01-4D82-97E2-09DB179ADF14}" type="presOf" srcId="{45249305-998E-431B-8B79-631397AA67B7}" destId="{696A083D-E6BA-47F4-821B-303047D0379F}" srcOrd="0" destOrd="1" presId="urn:microsoft.com/office/officeart/2005/8/layout/chevron2"/>
-    <dgm:cxn modelId="{2E20D2DF-92F5-4464-B501-40E50451ADCE}" srcId="{F40F5D2A-3401-4E73-B6B4-460FCB0A4F0C}" destId="{F0F784C6-DDBC-4696-89D3-B59D02733269}" srcOrd="1" destOrd="0" parTransId="{074A22D7-8E09-499A-BEC2-F666021A6903}" sibTransId="{7DD5F233-A91E-4920-9C36-E524B4C0312B}"/>
-    <dgm:cxn modelId="{2B87233F-4DDE-4B43-ABE8-EC1FFB70A305}" type="presOf" srcId="{3A0B2663-072F-4EA4-9B9F-DCB7CD8E5E91}" destId="{AD997530-C32E-4288-82D2-86E12DDAC701}" srcOrd="0" destOrd="0" presId="urn:microsoft.com/office/officeart/2005/8/layout/chevron2"/>
-    <dgm:cxn modelId="{8E483548-36EE-4623-BDCF-75619062AA90}" type="presOf" srcId="{F0F784C6-DDBC-4696-89D3-B59D02733269}" destId="{9606436E-D5FD-492F-8DAE-333A4FCFC8CC}" srcOrd="0" destOrd="1" presId="urn:microsoft.com/office/officeart/2005/8/layout/chevron2"/>
-    <dgm:cxn modelId="{6EBABFF6-F1C7-41DE-BB7C-E1747522FFAF}" srcId="{635E5A34-83F4-46AE-B25B-201D6523329E}" destId="{BD5560A5-917A-484C-8FD1-B18D06F915CD}" srcOrd="2" destOrd="0" parTransId="{215FA007-35CC-4A6D-8A80-5BD1B7694B4E}" sibTransId="{83A8EFF0-CFAA-4AC5-A1CA-125403381629}"/>
-    <dgm:cxn modelId="{52F690BB-1AD0-4A02-9E6F-6C77DC4AAF52}" type="presOf" srcId="{A411A966-737E-42B0-AE5C-E7499EFF3001}" destId="{696A083D-E6BA-47F4-821B-303047D0379F}" srcOrd="0" destOrd="0" presId="urn:microsoft.com/office/officeart/2005/8/layout/chevron2"/>
-    <dgm:cxn modelId="{FF8910E5-B7AE-45F5-9F58-9D66F15D9A24}" srcId="{BD5560A5-917A-484C-8FD1-B18D06F915CD}" destId="{CE61EBD4-3E1F-4791-B088-3E8ED5BC5716}" srcOrd="2" destOrd="0" parTransId="{CF33BDC9-3ABB-4E41-BFF8-BB217EDC6755}" sibTransId="{C9631522-D6D9-4FEC-9B16-AC5A3B6C52EF}"/>
-    <dgm:cxn modelId="{CC9C4A08-7FDC-404E-BDC6-D1C225C1D861}" srcId="{F40F5D2A-3401-4E73-B6B4-460FCB0A4F0C}" destId="{E2D2EDFF-D456-4901-83C2-AF68FBA18598}" srcOrd="0" destOrd="0" parTransId="{0C6366EA-57F8-497B-B432-8A9F3D9E4C11}" sibTransId="{F3476D56-A5A6-4E1E-8242-F44466D2CB11}"/>
-    <dgm:cxn modelId="{5E343905-0116-402B-8332-D87AA7EACC88}" type="presOf" srcId="{6570777E-5CDC-4A9E-B8FE-9CEE3F3C5D57}" destId="{BE4200A7-3911-43BC-A1B7-CF67BB530728}" srcOrd="0" destOrd="0" presId="urn:microsoft.com/office/officeart/2005/8/layout/chevron2"/>
-    <dgm:cxn modelId="{FFBF97E3-375D-422E-B5BD-C8DE1E79A888}" srcId="{BD5560A5-917A-484C-8FD1-B18D06F915CD}" destId="{F67C3D40-47FD-45F8-90D5-649F1207379E}" srcOrd="5" destOrd="0" parTransId="{1668C1EA-BAAE-4E67-A095-1731D24571C2}" sibTransId="{51FB2DCE-AE7D-4A49-9442-F38F7DE9497E}"/>
-    <dgm:cxn modelId="{2B477198-D36A-46D7-BC22-2B9414D5BF36}" type="presOf" srcId="{E2D2EDFF-D456-4901-83C2-AF68FBA18598}" destId="{9606436E-D5FD-492F-8DAE-333A4FCFC8CC}" srcOrd="0" destOrd="0" presId="urn:microsoft.com/office/officeart/2005/8/layout/chevron2"/>
-    <dgm:cxn modelId="{96C3975C-D219-4F50-9210-AB6955E4B0DF}" type="presOf" srcId="{BD5560A5-917A-484C-8FD1-B18D06F915CD}" destId="{CEE8EE5C-E54E-417B-A505-72824773CB6B}" srcOrd="0" destOrd="0" presId="urn:microsoft.com/office/officeart/2005/8/layout/chevron2"/>
-    <dgm:cxn modelId="{D6506907-42A9-483B-B512-724F030F8921}" srcId="{6570777E-5CDC-4A9E-B8FE-9CEE3F3C5D57}" destId="{3441DD51-1F0F-495A-9C3F-B1D532D4AD75}" srcOrd="2" destOrd="0" parTransId="{3140934C-D480-4B75-A74D-C36B223D548A}" sibTransId="{245CABA1-CDE7-4276-B2C5-2481608B9BBA}"/>
     <dgm:cxn modelId="{A9674856-DD88-4B6D-8994-39C044354BB9}" type="presParOf" srcId="{405C2776-D14A-416F-AB36-FA690F82B9FE}" destId="{0D84B56D-DA17-4B37-8C05-D1E13CA74699}" srcOrd="0" destOrd="0" presId="urn:microsoft.com/office/officeart/2005/8/layout/chevron2"/>
     <dgm:cxn modelId="{2A6167FD-9530-4719-B6DE-B53E3BE1E089}" type="presParOf" srcId="{0D84B56D-DA17-4B37-8C05-D1E13CA74699}" destId="{86336071-5E26-44B9-B6A3-4FFF82FC9A1F}" srcOrd="0" destOrd="0" presId="urn:microsoft.com/office/officeart/2005/8/layout/chevron2"/>
     <dgm:cxn modelId="{D212BB95-9165-4EBE-9661-997BE60CFC06}" type="presParOf" srcId="{0D84B56D-DA17-4B37-8C05-D1E13CA74699}" destId="{9606436E-D5FD-492F-8DAE-333A4FCFC8CC}" srcOrd="1" destOrd="0" presId="urn:microsoft.com/office/officeart/2005/8/layout/chevron2"/>
@@ -5104,6 +5237,14 @@
         </dgm:presLayoutVars>
       </dgm:prSet>
       <dgm:spPr/>
+      <dgm:t>
+        <a:bodyPr/>
+        <a:lstStyle/>
+        <a:p>
+          <a:pPr latinLnBrk="1"/>
+          <a:endParaRPr lang="ko-KR" altLang="en-US"/>
+        </a:p>
+      </dgm:t>
     </dgm:pt>
     <dgm:pt modelId="{0D84B56D-DA17-4B37-8C05-D1E13CA74699}" type="pres">
       <dgm:prSet presAssocID="{F40F5D2A-3401-4E73-B6B4-460FCB0A4F0C}" presName="composite" presStyleCnt="0"/>
@@ -5117,6 +5258,14 @@
         </dgm:presLayoutVars>
       </dgm:prSet>
       <dgm:spPr/>
+      <dgm:t>
+        <a:bodyPr/>
+        <a:lstStyle/>
+        <a:p>
+          <a:pPr latinLnBrk="1"/>
+          <a:endParaRPr lang="ko-KR" altLang="en-US"/>
+        </a:p>
+      </dgm:t>
     </dgm:pt>
     <dgm:pt modelId="{9606436E-D5FD-492F-8DAE-333A4FCFC8CC}" type="pres">
       <dgm:prSet presAssocID="{F40F5D2A-3401-4E73-B6B4-460FCB0A4F0C}" presName="descendantText" presStyleLbl="alignAcc1" presStyleIdx="0" presStyleCnt="2" custLinFactNeighborX="36802" custLinFactNeighborY="-57569">
@@ -5177,26 +5326,26 @@
     </dgm:pt>
   </dgm:ptLst>
   <dgm:cxnLst>
+    <dgm:cxn modelId="{2EA26D9B-0C1A-4C7F-AC6B-57E4AF5EB4F9}" type="presOf" srcId="{F40F5D2A-3401-4E73-B6B4-460FCB0A4F0C}" destId="{86336071-5E26-44B9-B6A3-4FFF82FC9A1F}" srcOrd="0" destOrd="0" presId="urn:microsoft.com/office/officeart/2005/8/layout/chevron2"/>
+    <dgm:cxn modelId="{635267FA-E155-40C3-A6E1-6F9F64D40AFA}" type="presOf" srcId="{4E2A81D4-8F46-4A64-8658-8DCC5C969C5F}" destId="{AD997530-C32E-4288-82D2-86E12DDAC701}" srcOrd="0" destOrd="1" presId="urn:microsoft.com/office/officeart/2005/8/layout/chevron2"/>
+    <dgm:cxn modelId="{CC9C4A08-7FDC-404E-BDC6-D1C225C1D861}" srcId="{F40F5D2A-3401-4E73-B6B4-460FCB0A4F0C}" destId="{E2D2EDFF-D456-4901-83C2-AF68FBA18598}" srcOrd="0" destOrd="0" parTransId="{0C6366EA-57F8-497B-B432-8A9F3D9E4C11}" sibTransId="{F3476D56-A5A6-4E1E-8242-F44466D2CB11}"/>
+    <dgm:cxn modelId="{09BDDAEE-7C84-4588-8951-C5F0B25395F4}" type="presOf" srcId="{AAD34A25-808F-492C-BEC7-94DD632AAEC5}" destId="{AD997530-C32E-4288-82D2-86E12DDAC701}" srcOrd="0" destOrd="3" presId="urn:microsoft.com/office/officeart/2005/8/layout/chevron2"/>
+    <dgm:cxn modelId="{2B87233F-4DDE-4B43-ABE8-EC1FFB70A305}" type="presOf" srcId="{3A0B2663-072F-4EA4-9B9F-DCB7CD8E5E91}" destId="{AD997530-C32E-4288-82D2-86E12DDAC701}" srcOrd="0" destOrd="0" presId="urn:microsoft.com/office/officeart/2005/8/layout/chevron2"/>
+    <dgm:cxn modelId="{8E483548-36EE-4623-BDCF-75619062AA90}" type="presOf" srcId="{F0F784C6-DDBC-4696-89D3-B59D02733269}" destId="{9606436E-D5FD-492F-8DAE-333A4FCFC8CC}" srcOrd="0" destOrd="1" presId="urn:microsoft.com/office/officeart/2005/8/layout/chevron2"/>
+    <dgm:cxn modelId="{E6BC8AE0-C134-4145-8A01-494EE601502F}" type="presOf" srcId="{3441DD51-1F0F-495A-9C3F-B1D532D4AD75}" destId="{AD997530-C32E-4288-82D2-86E12DDAC701}" srcOrd="0" destOrd="2" presId="urn:microsoft.com/office/officeart/2005/8/layout/chevron2"/>
+    <dgm:cxn modelId="{5CD4982B-82D3-40A7-85A6-51AB993C1D14}" srcId="{F40F5D2A-3401-4E73-B6B4-460FCB0A4F0C}" destId="{065710F1-D1ED-46A2-A130-677B05B17D17}" srcOrd="2" destOrd="0" parTransId="{B27E048D-1E04-439F-92EF-040D1EFA6366}" sibTransId="{9E7EF9A6-2E46-42F5-A87D-403095FDD500}"/>
+    <dgm:cxn modelId="{EC214E01-1624-450B-8C99-948D3B5AE92D}" type="presOf" srcId="{065710F1-D1ED-46A2-A130-677B05B17D17}" destId="{9606436E-D5FD-492F-8DAE-333A4FCFC8CC}" srcOrd="0" destOrd="2" presId="urn:microsoft.com/office/officeart/2005/8/layout/chevron2"/>
     <dgm:cxn modelId="{54B60C25-F63D-473F-9393-EAAB29C02147}" type="presOf" srcId="{635E5A34-83F4-46AE-B25B-201D6523329E}" destId="{405C2776-D14A-416F-AB36-FA690F82B9FE}" srcOrd="0" destOrd="0" presId="urn:microsoft.com/office/officeart/2005/8/layout/chevron2"/>
+    <dgm:cxn modelId="{6A1A6317-1930-4A4D-8D71-415B53955776}" type="presOf" srcId="{1A3F91C9-5934-421B-9A2C-826E26C70112}" destId="{9606436E-D5FD-492F-8DAE-333A4FCFC8CC}" srcOrd="0" destOrd="3" presId="urn:microsoft.com/office/officeart/2005/8/layout/chevron2"/>
+    <dgm:cxn modelId="{371E0FF9-4A9F-4E70-B4F9-7AC3E116F630}" srcId="{635E5A34-83F4-46AE-B25B-201D6523329E}" destId="{6570777E-5CDC-4A9E-B8FE-9CEE3F3C5D57}" srcOrd="1" destOrd="0" parTransId="{073575E7-B3BF-41B0-94A1-CF2501DF2690}" sibTransId="{0A58286F-5F01-43E5-BA74-C48E84253098}"/>
+    <dgm:cxn modelId="{2AA88FC1-D481-4175-B057-CB185A2DCBDA}" srcId="{6570777E-5CDC-4A9E-B8FE-9CEE3F3C5D57}" destId="{4E2A81D4-8F46-4A64-8658-8DCC5C969C5F}" srcOrd="1" destOrd="0" parTransId="{F51DFC4B-8D49-47D0-9331-E704F87ECB8B}" sibTransId="{28F18518-8636-44C1-A7F3-3A20971B0177}"/>
     <dgm:cxn modelId="{777EFEFE-BC31-4DCD-BC53-8D64B56A77CA}" srcId="{6570777E-5CDC-4A9E-B8FE-9CEE3F3C5D57}" destId="{AAD34A25-808F-492C-BEC7-94DD632AAEC5}" srcOrd="3" destOrd="0" parTransId="{D3E7BD96-31B2-4235-AA8D-8EC6A670826C}" sibTransId="{66C01D6E-9BF4-43C0-B3B1-AD0E2DE3CE11}"/>
-    <dgm:cxn modelId="{635267FA-E155-40C3-A6E1-6F9F64D40AFA}" type="presOf" srcId="{4E2A81D4-8F46-4A64-8658-8DCC5C969C5F}" destId="{AD997530-C32E-4288-82D2-86E12DDAC701}" srcOrd="0" destOrd="1" presId="urn:microsoft.com/office/officeart/2005/8/layout/chevron2"/>
-    <dgm:cxn modelId="{09BDDAEE-7C84-4588-8951-C5F0B25395F4}" type="presOf" srcId="{AAD34A25-808F-492C-BEC7-94DD632AAEC5}" destId="{AD997530-C32E-4288-82D2-86E12DDAC701}" srcOrd="0" destOrd="3" presId="urn:microsoft.com/office/officeart/2005/8/layout/chevron2"/>
-    <dgm:cxn modelId="{2EA26D9B-0C1A-4C7F-AC6B-57E4AF5EB4F9}" type="presOf" srcId="{F40F5D2A-3401-4E73-B6B4-460FCB0A4F0C}" destId="{86336071-5E26-44B9-B6A3-4FFF82FC9A1F}" srcOrd="0" destOrd="0" presId="urn:microsoft.com/office/officeart/2005/8/layout/chevron2"/>
+    <dgm:cxn modelId="{2789C43B-E312-4725-AE81-22E7712E7BAE}" srcId="{F40F5D2A-3401-4E73-B6B4-460FCB0A4F0C}" destId="{1A3F91C9-5934-421B-9A2C-826E26C70112}" srcOrd="3" destOrd="0" parTransId="{D0642041-4D2C-4A21-8D4A-EF0F66DFB187}" sibTransId="{A7A00868-D654-4289-A2A6-5B9FAAD00815}"/>
+    <dgm:cxn modelId="{EB28E9F1-685A-49E9-95E4-B0F796AB0FEB}" srcId="{6570777E-5CDC-4A9E-B8FE-9CEE3F3C5D57}" destId="{3A0B2663-072F-4EA4-9B9F-DCB7CD8E5E91}" srcOrd="0" destOrd="0" parTransId="{1868BBF8-9781-4D4E-8C23-94DE432114CF}" sibTransId="{F2CDB6EE-8943-4801-B2CF-1F49FFFA3F01}"/>
+    <dgm:cxn modelId="{5E343905-0116-402B-8332-D87AA7EACC88}" type="presOf" srcId="{6570777E-5CDC-4A9E-B8FE-9CEE3F3C5D57}" destId="{BE4200A7-3911-43BC-A1B7-CF67BB530728}" srcOrd="0" destOrd="0" presId="urn:microsoft.com/office/officeart/2005/8/layout/chevron2"/>
     <dgm:cxn modelId="{2E20D2DF-92F5-4464-B501-40E50451ADCE}" srcId="{F40F5D2A-3401-4E73-B6B4-460FCB0A4F0C}" destId="{F0F784C6-DDBC-4696-89D3-B59D02733269}" srcOrd="1" destOrd="0" parTransId="{074A22D7-8E09-499A-BEC2-F666021A6903}" sibTransId="{7DD5F233-A91E-4920-9C36-E524B4C0312B}"/>
-    <dgm:cxn modelId="{5CD4982B-82D3-40A7-85A6-51AB993C1D14}" srcId="{F40F5D2A-3401-4E73-B6B4-460FCB0A4F0C}" destId="{065710F1-D1ED-46A2-A130-677B05B17D17}" srcOrd="2" destOrd="0" parTransId="{B27E048D-1E04-439F-92EF-040D1EFA6366}" sibTransId="{9E7EF9A6-2E46-42F5-A87D-403095FDD500}"/>
-    <dgm:cxn modelId="{CC9C4A08-7FDC-404E-BDC6-D1C225C1D861}" srcId="{F40F5D2A-3401-4E73-B6B4-460FCB0A4F0C}" destId="{E2D2EDFF-D456-4901-83C2-AF68FBA18598}" srcOrd="0" destOrd="0" parTransId="{0C6366EA-57F8-497B-B432-8A9F3D9E4C11}" sibTransId="{F3476D56-A5A6-4E1E-8242-F44466D2CB11}"/>
-    <dgm:cxn modelId="{2B87233F-4DDE-4B43-ABE8-EC1FFB70A305}" type="presOf" srcId="{3A0B2663-072F-4EA4-9B9F-DCB7CD8E5E91}" destId="{AD997530-C32E-4288-82D2-86E12DDAC701}" srcOrd="0" destOrd="0" presId="urn:microsoft.com/office/officeart/2005/8/layout/chevron2"/>
-    <dgm:cxn modelId="{EC214E01-1624-450B-8C99-948D3B5AE92D}" type="presOf" srcId="{065710F1-D1ED-46A2-A130-677B05B17D17}" destId="{9606436E-D5FD-492F-8DAE-333A4FCFC8CC}" srcOrd="0" destOrd="2" presId="urn:microsoft.com/office/officeart/2005/8/layout/chevron2"/>
-    <dgm:cxn modelId="{8E483548-36EE-4623-BDCF-75619062AA90}" type="presOf" srcId="{F0F784C6-DDBC-4696-89D3-B59D02733269}" destId="{9606436E-D5FD-492F-8DAE-333A4FCFC8CC}" srcOrd="0" destOrd="1" presId="urn:microsoft.com/office/officeart/2005/8/layout/chevron2"/>
-    <dgm:cxn modelId="{2789C43B-E312-4725-AE81-22E7712E7BAE}" srcId="{F40F5D2A-3401-4E73-B6B4-460FCB0A4F0C}" destId="{1A3F91C9-5934-421B-9A2C-826E26C70112}" srcOrd="3" destOrd="0" parTransId="{D0642041-4D2C-4A21-8D4A-EF0F66DFB187}" sibTransId="{A7A00868-D654-4289-A2A6-5B9FAAD00815}"/>
-    <dgm:cxn modelId="{6A1A6317-1930-4A4D-8D71-415B53955776}" type="presOf" srcId="{1A3F91C9-5934-421B-9A2C-826E26C70112}" destId="{9606436E-D5FD-492F-8DAE-333A4FCFC8CC}" srcOrd="0" destOrd="3" presId="urn:microsoft.com/office/officeart/2005/8/layout/chevron2"/>
-    <dgm:cxn modelId="{5E343905-0116-402B-8332-D87AA7EACC88}" type="presOf" srcId="{6570777E-5CDC-4A9E-B8FE-9CEE3F3C5D57}" destId="{BE4200A7-3911-43BC-A1B7-CF67BB530728}" srcOrd="0" destOrd="0" presId="urn:microsoft.com/office/officeart/2005/8/layout/chevron2"/>
-    <dgm:cxn modelId="{371E0FF9-4A9F-4E70-B4F9-7AC3E116F630}" srcId="{635E5A34-83F4-46AE-B25B-201D6523329E}" destId="{6570777E-5CDC-4A9E-B8FE-9CEE3F3C5D57}" srcOrd="1" destOrd="0" parTransId="{073575E7-B3BF-41B0-94A1-CF2501DF2690}" sibTransId="{0A58286F-5F01-43E5-BA74-C48E84253098}"/>
-    <dgm:cxn modelId="{E6BC8AE0-C134-4145-8A01-494EE601502F}" type="presOf" srcId="{3441DD51-1F0F-495A-9C3F-B1D532D4AD75}" destId="{AD997530-C32E-4288-82D2-86E12DDAC701}" srcOrd="0" destOrd="2" presId="urn:microsoft.com/office/officeart/2005/8/layout/chevron2"/>
+    <dgm:cxn modelId="{14DADEF1-46C5-4CDC-8C9F-19A83CBF9FCC}" srcId="{635E5A34-83F4-46AE-B25B-201D6523329E}" destId="{F40F5D2A-3401-4E73-B6B4-460FCB0A4F0C}" srcOrd="0" destOrd="0" parTransId="{561D9170-B01C-4466-A5CE-CFD4B3D2BE5C}" sibTransId="{B24A028A-D9E6-47B3-A8FE-AF21E699586D}"/>
     <dgm:cxn modelId="{2B477198-D36A-46D7-BC22-2B9414D5BF36}" type="presOf" srcId="{E2D2EDFF-D456-4901-83C2-AF68FBA18598}" destId="{9606436E-D5FD-492F-8DAE-333A4FCFC8CC}" srcOrd="0" destOrd="0" presId="urn:microsoft.com/office/officeart/2005/8/layout/chevron2"/>
-    <dgm:cxn modelId="{2AA88FC1-D481-4175-B057-CB185A2DCBDA}" srcId="{6570777E-5CDC-4A9E-B8FE-9CEE3F3C5D57}" destId="{4E2A81D4-8F46-4A64-8658-8DCC5C969C5F}" srcOrd="1" destOrd="0" parTransId="{F51DFC4B-8D49-47D0-9331-E704F87ECB8B}" sibTransId="{28F18518-8636-44C1-A7F3-3A20971B0177}"/>
-    <dgm:cxn modelId="{EB28E9F1-685A-49E9-95E4-B0F796AB0FEB}" srcId="{6570777E-5CDC-4A9E-B8FE-9CEE3F3C5D57}" destId="{3A0B2663-072F-4EA4-9B9F-DCB7CD8E5E91}" srcOrd="0" destOrd="0" parTransId="{1868BBF8-9781-4D4E-8C23-94DE432114CF}" sibTransId="{F2CDB6EE-8943-4801-B2CF-1F49FFFA3F01}"/>
-    <dgm:cxn modelId="{14DADEF1-46C5-4CDC-8C9F-19A83CBF9FCC}" srcId="{635E5A34-83F4-46AE-B25B-201D6523329E}" destId="{F40F5D2A-3401-4E73-B6B4-460FCB0A4F0C}" srcOrd="0" destOrd="0" parTransId="{561D9170-B01C-4466-A5CE-CFD4B3D2BE5C}" sibTransId="{B24A028A-D9E6-47B3-A8FE-AF21E699586D}"/>
     <dgm:cxn modelId="{D6506907-42A9-483B-B512-724F030F8921}" srcId="{6570777E-5CDC-4A9E-B8FE-9CEE3F3C5D57}" destId="{3441DD51-1F0F-495A-9C3F-B1D532D4AD75}" srcOrd="2" destOrd="0" parTransId="{3140934C-D480-4B75-A74D-C36B223D548A}" sibTransId="{245CABA1-CDE7-4276-B2C5-2481608B9BBA}"/>
     <dgm:cxn modelId="{A9674856-DD88-4B6D-8994-39C044354BB9}" type="presParOf" srcId="{405C2776-D14A-416F-AB36-FA690F82B9FE}" destId="{0D84B56D-DA17-4B37-8C05-D1E13CA74699}" srcOrd="0" destOrd="0" presId="urn:microsoft.com/office/officeart/2005/8/layout/chevron2"/>
     <dgm:cxn modelId="{2A6167FD-9530-4719-B6DE-B53E3BE1E089}" type="presParOf" srcId="{0D84B56D-DA17-4B37-8C05-D1E13CA74699}" destId="{86336071-5E26-44B9-B6A3-4FFF82FC9A1F}" srcOrd="0" destOrd="0" presId="urn:microsoft.com/office/officeart/2005/8/layout/chevron2"/>
@@ -5247,10 +5396,16 @@
         <a:p>
           <a:pPr latinLnBrk="1"/>
           <a:r>
-            <a:rPr lang="ko-KR" altLang="en-US" dirty="0" err="1" smtClean="0"/>
-            <a:t>권병진</a:t>
+            <a:rPr lang="ko-KR" altLang="en-US" dirty="0" smtClean="0">
+              <a:latin typeface="여기어때 잘난체 OTF" panose="020B0600000101010101" pitchFamily="34" charset="-127"/>
+              <a:ea typeface="여기어때 잘난체 OTF" panose="020B0600000101010101" pitchFamily="34" charset="-127"/>
+            </a:rPr>
+            <a:t>권 병 진</a:t>
           </a:r>
-          <a:endParaRPr lang="ko-KR" altLang="en-US" dirty="0"/>
+          <a:endParaRPr lang="ko-KR" altLang="en-US" dirty="0">
+            <a:latin typeface="여기어때 잘난체 OTF" panose="020B0600000101010101" pitchFamily="34" charset="-127"/>
+            <a:ea typeface="여기어때 잘난체 OTF" panose="020B0600000101010101" pitchFamily="34" charset="-127"/>
+          </a:endParaRPr>
         </a:p>
       </dgm:t>
     </dgm:pt>
@@ -5279,7 +5434,7 @@
       </dgm:t>
     </dgm:pt>
     <dgm:pt modelId="{1C072F23-EF8C-4DBD-9A82-DCF2F15402E0}">
-      <dgm:prSet phldrT="[텍스트]"/>
+      <dgm:prSet phldrT="[텍스트]" custT="1"/>
       <dgm:spPr/>
       <dgm:t>
         <a:bodyPr/>
@@ -5287,10 +5442,37 @@
         <a:p>
           <a:pPr latinLnBrk="1"/>
           <a:r>
-            <a:rPr lang="en-US" altLang="ko-KR" dirty="0" smtClean="0"/>
-            <a:t> </a:t>
+            <a:rPr lang="ko-KR" altLang="en-US" sz="2000" dirty="0" smtClean="0">
+              <a:latin typeface="여기어때 잘난체 OTF" panose="020B0600000101010101" pitchFamily="34" charset="-127"/>
+              <a:ea typeface="여기어때 잘난체 OTF" panose="020B0600000101010101" pitchFamily="34" charset="-127"/>
+            </a:rPr>
+            <a:t>타 언어와 다르게 문법이 직설적이며</a:t>
           </a:r>
-          <a:endParaRPr lang="ko-KR" altLang="en-US" dirty="0"/>
+          <a:r>
+            <a:rPr lang="en-US" altLang="ko-KR" sz="2000" dirty="0" smtClean="0">
+              <a:latin typeface="여기어때 잘난체 OTF" panose="020B0600000101010101" pitchFamily="34" charset="-127"/>
+              <a:ea typeface="여기어때 잘난체 OTF" panose="020B0600000101010101" pitchFamily="34" charset="-127"/>
+            </a:rPr>
+            <a:t>, </a:t>
+          </a:r>
+          <a:r>
+            <a:rPr lang="ko-KR" altLang="en-US" sz="2000" dirty="0" smtClean="0">
+              <a:latin typeface="여기어때 잘난체 OTF" panose="020B0600000101010101" pitchFamily="34" charset="-127"/>
+              <a:ea typeface="여기어때 잘난체 OTF" panose="020B0600000101010101" pitchFamily="34" charset="-127"/>
+            </a:rPr>
+            <a:t>영어 문법 그 자체같은 느낌이 강해 생각보다 어려웠다</a:t>
+          </a:r>
+          <a:r>
+            <a:rPr lang="en-US" altLang="ko-KR" sz="2000" dirty="0" smtClean="0">
+              <a:latin typeface="여기어때 잘난체 OTF" panose="020B0600000101010101" pitchFamily="34" charset="-127"/>
+              <a:ea typeface="여기어때 잘난체 OTF" panose="020B0600000101010101" pitchFamily="34" charset="-127"/>
+            </a:rPr>
+            <a:t>. </a:t>
+          </a:r>
+          <a:endParaRPr lang="ko-KR" altLang="en-US" sz="2000" dirty="0">
+            <a:latin typeface="여기어때 잘난체 OTF" panose="020B0600000101010101" pitchFamily="34" charset="-127"/>
+            <a:ea typeface="여기어때 잘난체 OTF" panose="020B0600000101010101" pitchFamily="34" charset="-127"/>
+          </a:endParaRPr>
         </a:p>
       </dgm:t>
     </dgm:pt>
@@ -5319,7 +5501,7 @@
       </dgm:t>
     </dgm:pt>
     <dgm:pt modelId="{E303BD08-9DBD-41F6-8E7E-3BB85E88CA48}">
-      <dgm:prSet phldrT="[텍스트]"/>
+      <dgm:prSet phldrT="[텍스트]" custT="1"/>
       <dgm:spPr/>
       <dgm:t>
         <a:bodyPr/>
@@ -5327,10 +5509,62 @@
         <a:p>
           <a:pPr latinLnBrk="1"/>
           <a:r>
-            <a:rPr lang="en-US" altLang="ko-KR" dirty="0" smtClean="0"/>
+            <a:rPr lang="en-US" altLang="ko-KR" sz="4700" dirty="0" smtClean="0"/>
             <a:t> </a:t>
           </a:r>
-          <a:endParaRPr lang="ko-KR" altLang="en-US" dirty="0"/>
+          <a:r>
+            <a:rPr lang="ko-KR" altLang="en-US" sz="1800" dirty="0" smtClean="0">
+              <a:latin typeface="여기어때 잘난체 OTF" panose="020B0600000101010101" pitchFamily="34" charset="-127"/>
+              <a:ea typeface="여기어때 잘난체 OTF" panose="020B0600000101010101" pitchFamily="34" charset="-127"/>
+            </a:rPr>
+            <a:t>기존 </a:t>
+          </a:r>
+          <a:r>
+            <a:rPr lang="en-US" altLang="ko-KR" sz="1800" dirty="0" smtClean="0">
+              <a:latin typeface="여기어때 잘난체 OTF" panose="020B0600000101010101" pitchFamily="34" charset="-127"/>
+              <a:ea typeface="여기어때 잘난체 OTF" panose="020B0600000101010101" pitchFamily="34" charset="-127"/>
+            </a:rPr>
+            <a:t>C</a:t>
+          </a:r>
+          <a:r>
+            <a:rPr lang="ko-KR" altLang="en-US" sz="1800" dirty="0" smtClean="0">
+              <a:latin typeface="여기어때 잘난체 OTF" panose="020B0600000101010101" pitchFamily="34" charset="-127"/>
+              <a:ea typeface="여기어때 잘난체 OTF" panose="020B0600000101010101" pitchFamily="34" charset="-127"/>
+            </a:rPr>
+            <a:t>언어와 </a:t>
+          </a:r>
+          <a:r>
+            <a:rPr lang="en-US" altLang="ko-KR" sz="1800" dirty="0" smtClean="0">
+              <a:latin typeface="여기어때 잘난체 OTF" panose="020B0600000101010101" pitchFamily="34" charset="-127"/>
+              <a:ea typeface="여기어때 잘난체 OTF" panose="020B0600000101010101" pitchFamily="34" charset="-127"/>
+            </a:rPr>
+            <a:t>JAVA</a:t>
+          </a:r>
+          <a:r>
+            <a:rPr lang="ko-KR" altLang="en-US" sz="1800" dirty="0" smtClean="0">
+              <a:latin typeface="여기어때 잘난체 OTF" panose="020B0600000101010101" pitchFamily="34" charset="-127"/>
+              <a:ea typeface="여기어때 잘난체 OTF" panose="020B0600000101010101" pitchFamily="34" charset="-127"/>
+            </a:rPr>
+            <a:t>와 달리 개념이 다른 프로그램이라서 생소했지만 구현 해보니까 즐거웠습니다</a:t>
+          </a:r>
+          <a:r>
+            <a:rPr lang="en-US" altLang="ko-KR" sz="1800" dirty="0" smtClean="0">
+              <a:latin typeface="여기어때 잘난체 OTF" panose="020B0600000101010101" pitchFamily="34" charset="-127"/>
+              <a:ea typeface="여기어때 잘난체 OTF" panose="020B0600000101010101" pitchFamily="34" charset="-127"/>
+            </a:rPr>
+            <a:t>.</a:t>
+          </a:r>
+          <a:r>
+            <a:rPr lang="ko-KR" altLang="en-US" sz="1800" dirty="0" smtClean="0">
+              <a:latin typeface="여기어때 잘난체 OTF" panose="020B0600000101010101" pitchFamily="34" charset="-127"/>
+              <a:ea typeface="여기어때 잘난체 OTF" panose="020B0600000101010101" pitchFamily="34" charset="-127"/>
+            </a:rPr>
+            <a:t> </a:t>
+          </a:r>
+          <a:endParaRPr lang="ko-KR" altLang="en-US" sz="1800" dirty="0">
+            <a:latin typeface="여기어때 잘난체 OTF" panose="020B0600000101010101" pitchFamily="34" charset="-127"/>
+            <a:ea typeface="여기어때 잘난체 OTF" panose="020B0600000101010101" pitchFamily="34" charset="-127"/>
+          </a:endParaRPr>
         </a:p>
       </dgm:t>
     </dgm:pt>
@@ -5367,10 +5601,16 @@
         <a:p>
           <a:pPr latinLnBrk="1"/>
           <a:r>
-            <a:rPr lang="ko-KR" altLang="en-US" dirty="0" err="1" smtClean="0"/>
-            <a:t>홍주환</a:t>
+            <a:rPr lang="ko-KR" altLang="en-US" dirty="0" smtClean="0">
+              <a:latin typeface="여기어때 잘난체 OTF" panose="020B0600000101010101" pitchFamily="34" charset="-127"/>
+              <a:ea typeface="여기어때 잘난체 OTF" panose="020B0600000101010101" pitchFamily="34" charset="-127"/>
+            </a:rPr>
+            <a:t>홍 주 환</a:t>
           </a:r>
-          <a:endParaRPr lang="ko-KR" altLang="en-US" dirty="0"/>
+          <a:endParaRPr lang="ko-KR" altLang="en-US" dirty="0">
+            <a:latin typeface="여기어때 잘난체 OTF" panose="020B0600000101010101" pitchFamily="34" charset="-127"/>
+            <a:ea typeface="여기어때 잘난체 OTF" panose="020B0600000101010101" pitchFamily="34" charset="-127"/>
+          </a:endParaRPr>
         </a:p>
       </dgm:t>
     </dgm:pt>
@@ -5399,7 +5639,7 @@
       </dgm:t>
     </dgm:pt>
     <dgm:pt modelId="{EE1B8B7F-4AD3-47F2-904B-EB702A36DC0F}">
-      <dgm:prSet phldrT="[텍스트]"/>
+      <dgm:prSet phldrT="[텍스트]" custT="1"/>
       <dgm:spPr/>
       <dgm:t>
         <a:bodyPr/>
@@ -5407,10 +5647,51 @@
         <a:p>
           <a:pPr latinLnBrk="1"/>
           <a:r>
-            <a:rPr lang="en-US" altLang="ko-KR" dirty="0" smtClean="0"/>
-            <a:t>  </a:t>
+            <a:rPr lang="en-US" altLang="ko-KR" sz="1800" dirty="0" smtClean="0">
+              <a:latin typeface="여기어때 잘난체 OTF" panose="020B0600000101010101" pitchFamily="34" charset="-127"/>
+              <a:ea typeface="여기어때 잘난체 OTF" panose="020B0600000101010101" pitchFamily="34" charset="-127"/>
+            </a:rPr>
+            <a:t>SQL</a:t>
           </a:r>
-          <a:endParaRPr lang="ko-KR" altLang="en-US" dirty="0"/>
+          <a:r>
+            <a:rPr lang="ko-KR" altLang="ko-KR" sz="1800" dirty="0" smtClean="0">
+              <a:latin typeface="여기어때 잘난체 OTF" panose="020B0600000101010101" pitchFamily="34" charset="-127"/>
+              <a:ea typeface="여기어때 잘난체 OTF" panose="020B0600000101010101" pitchFamily="34" charset="-127"/>
+            </a:rPr>
+            <a:t>문법과 기능에 대해서 새로 알게</a:t>
+          </a:r>
+          <a:r>
+            <a:rPr lang="en-US" altLang="ko-KR" sz="1800" dirty="0" smtClean="0">
+              <a:latin typeface="여기어때 잘난체 OTF" panose="020B0600000101010101" pitchFamily="34" charset="-127"/>
+              <a:ea typeface="여기어때 잘난체 OTF" panose="020B0600000101010101" pitchFamily="34" charset="-127"/>
+            </a:rPr>
+            <a:t> </a:t>
+          </a:r>
+          <a:r>
+            <a:rPr lang="ko-KR" altLang="ko-KR" sz="1800" dirty="0" smtClean="0">
+              <a:latin typeface="여기어때 잘난체 OTF" panose="020B0600000101010101" pitchFamily="34" charset="-127"/>
+              <a:ea typeface="여기어때 잘난체 OTF" panose="020B0600000101010101" pitchFamily="34" charset="-127"/>
+            </a:rPr>
+            <a:t>되었고</a:t>
+          </a:r>
+          <a:r>
+            <a:rPr lang="en-US" altLang="ko-KR" sz="1800" dirty="0" smtClean="0">
+              <a:latin typeface="여기어때 잘난체 OTF" panose="020B0600000101010101" pitchFamily="34" charset="-127"/>
+              <a:ea typeface="여기어때 잘난체 OTF" panose="020B0600000101010101" pitchFamily="34" charset="-127"/>
+            </a:rPr>
+            <a:t>,</a:t>
+          </a:r>
+          <a:r>
+            <a:rPr lang="ko-KR" altLang="ko-KR" sz="1800" dirty="0" smtClean="0">
+              <a:latin typeface="여기어때 잘난체 OTF" panose="020B0600000101010101" pitchFamily="34" charset="-127"/>
+              <a:ea typeface="여기어때 잘난체 OTF" panose="020B0600000101010101" pitchFamily="34" charset="-127"/>
+            </a:rPr>
+            <a:t>몰랐던 기능들을 배우는 것이 흥미로웠습니다</a:t>
+          </a:r>
+          <a:endParaRPr lang="ko-KR" altLang="en-US" sz="1800" dirty="0">
+            <a:latin typeface="여기어때 잘난체 OTF" panose="020B0600000101010101" pitchFamily="34" charset="-127"/>
+            <a:ea typeface="여기어때 잘난체 OTF" panose="020B0600000101010101" pitchFamily="34" charset="-127"/>
+          </a:endParaRPr>
         </a:p>
       </dgm:t>
     </dgm:pt>
@@ -5439,7 +5720,7 @@
       </dgm:t>
     </dgm:pt>
     <dgm:pt modelId="{40BD588C-15E9-411A-BE8B-AB76D10B6CD4}">
-      <dgm:prSet phldrT="[텍스트]"/>
+      <dgm:prSet phldrT="[텍스트]" custT="1"/>
       <dgm:spPr/>
       <dgm:t>
         <a:bodyPr/>
@@ -5447,10 +5728,23 @@
         <a:p>
           <a:pPr latinLnBrk="1"/>
           <a:r>
-            <a:rPr lang="en-US" altLang="ko-KR" dirty="0" smtClean="0"/>
-            <a:t> </a:t>
+            <a:rPr lang="ko-KR" altLang="en-US" sz="2000" dirty="0" smtClean="0">
+              <a:latin typeface="여기어때 잘난체 OTF" panose="020B0600000101010101" pitchFamily="34" charset="-127"/>
+              <a:ea typeface="여기어때 잘난체 OTF" panose="020B0600000101010101" pitchFamily="34" charset="-127"/>
+            </a:rPr>
+            <a:t>데이터를 직접 다루는 프로그래밍이 매우 흥미롭게 느껴졌습니다</a:t>
           </a:r>
-          <a:endParaRPr lang="ko-KR" altLang="en-US" dirty="0"/>
+          <a:r>
+            <a:rPr lang="en-US" altLang="ko-KR" sz="2000" dirty="0" smtClean="0">
+              <a:latin typeface="여기어때 잘난체 OTF" panose="020B0600000101010101" pitchFamily="34" charset="-127"/>
+              <a:ea typeface="여기어때 잘난체 OTF" panose="020B0600000101010101" pitchFamily="34" charset="-127"/>
+            </a:rPr>
+            <a:t>.</a:t>
+          </a:r>
+          <a:endParaRPr lang="ko-KR" altLang="en-US" sz="2000" dirty="0">
+            <a:latin typeface="여기어때 잘난체 OTF" panose="020B0600000101010101" pitchFamily="34" charset="-127"/>
+            <a:ea typeface="여기어때 잘난체 OTF" panose="020B0600000101010101" pitchFamily="34" charset="-127"/>
+          </a:endParaRPr>
         </a:p>
       </dgm:t>
     </dgm:pt>
@@ -5487,10 +5781,16 @@
         <a:p>
           <a:pPr latinLnBrk="1"/>
           <a:r>
-            <a:rPr lang="ko-KR" altLang="en-US" dirty="0" err="1" smtClean="0"/>
-            <a:t>신예원</a:t>
+            <a:rPr lang="ko-KR" altLang="en-US" dirty="0" smtClean="0">
+              <a:latin typeface="여기어때 잘난체 OTF" panose="020B0600000101010101" pitchFamily="34" charset="-127"/>
+              <a:ea typeface="여기어때 잘난체 OTF" panose="020B0600000101010101" pitchFamily="34" charset="-127"/>
+            </a:rPr>
+            <a:t>신 예 원</a:t>
           </a:r>
-          <a:endParaRPr lang="ko-KR" altLang="en-US" dirty="0"/>
+          <a:endParaRPr lang="ko-KR" altLang="en-US" dirty="0">
+            <a:latin typeface="여기어때 잘난체 OTF" panose="020B0600000101010101" pitchFamily="34" charset="-127"/>
+            <a:ea typeface="여기어때 잘난체 OTF" panose="020B0600000101010101" pitchFamily="34" charset="-127"/>
+          </a:endParaRPr>
         </a:p>
       </dgm:t>
     </dgm:pt>
@@ -5527,10 +5827,16 @@
         <a:p>
           <a:pPr latinLnBrk="1"/>
           <a:r>
-            <a:rPr lang="ko-KR" altLang="en-US" dirty="0" err="1" smtClean="0"/>
-            <a:t>백정윤</a:t>
+            <a:rPr lang="ko-KR" altLang="en-US" dirty="0" smtClean="0">
+              <a:latin typeface="여기어때 잘난체 OTF" panose="020B0600000101010101" pitchFamily="34" charset="-127"/>
+              <a:ea typeface="여기어때 잘난체 OTF" panose="020B0600000101010101" pitchFamily="34" charset="-127"/>
+            </a:rPr>
+            <a:t>백 정 윤</a:t>
           </a:r>
-          <a:endParaRPr lang="ko-KR" altLang="en-US" dirty="0"/>
+          <a:endParaRPr lang="ko-KR" altLang="en-US" dirty="0">
+            <a:latin typeface="여기어때 잘난체 OTF" panose="020B0600000101010101" pitchFamily="34" charset="-127"/>
+            <a:ea typeface="여기어때 잘난체 OTF" panose="020B0600000101010101" pitchFamily="34" charset="-127"/>
+          </a:endParaRPr>
         </a:p>
       </dgm:t>
     </dgm:pt>
@@ -5567,6 +5873,14 @@
         </dgm:presLayoutVars>
       </dgm:prSet>
       <dgm:spPr/>
+      <dgm:t>
+        <a:bodyPr/>
+        <a:lstStyle/>
+        <a:p>
+          <a:pPr latinLnBrk="1"/>
+          <a:endParaRPr lang="ko-KR" altLang="en-US"/>
+        </a:p>
+      </dgm:t>
     </dgm:pt>
     <dgm:pt modelId="{DB55EC53-001E-4A04-A79C-4258FD84FF16}" type="pres">
       <dgm:prSet presAssocID="{7B591C80-11E1-44B9-B661-0E2C424B0C0B}" presName="composite" presStyleCnt="0"/>
@@ -5581,6 +5895,14 @@
         </dgm:presLayoutVars>
       </dgm:prSet>
       <dgm:spPr/>
+      <dgm:t>
+        <a:bodyPr/>
+        <a:lstStyle/>
+        <a:p>
+          <a:pPr latinLnBrk="1"/>
+          <a:endParaRPr lang="ko-KR" altLang="en-US"/>
+        </a:p>
+      </dgm:t>
     </dgm:pt>
     <dgm:pt modelId="{F0DD424E-41EE-49B1-B742-DD531E103DAB}" type="pres">
       <dgm:prSet presAssocID="{7B591C80-11E1-44B9-B661-0E2C424B0C0B}" presName="desTx" presStyleLbl="alignAccFollowNode1" presStyleIdx="0" presStyleCnt="4">
@@ -5657,6 +5979,14 @@
         </dgm:presLayoutVars>
       </dgm:prSet>
       <dgm:spPr/>
+      <dgm:t>
+        <a:bodyPr/>
+        <a:lstStyle/>
+        <a:p>
+          <a:pPr latinLnBrk="1"/>
+          <a:endParaRPr lang="ko-KR" altLang="en-US"/>
+        </a:p>
+      </dgm:t>
     </dgm:pt>
     <dgm:pt modelId="{8453E2C6-48E6-42A2-B800-3858DEFCC2D5}" type="pres">
       <dgm:prSet presAssocID="{8EF7DC1D-3A4B-4F17-831F-4C5BB94AD36E}" presName="desTx" presStyleLbl="alignAccFollowNode1" presStyleIdx="2" presStyleCnt="4">
@@ -5691,6 +6021,14 @@
         </dgm:presLayoutVars>
       </dgm:prSet>
       <dgm:spPr/>
+      <dgm:t>
+        <a:bodyPr/>
+        <a:lstStyle/>
+        <a:p>
+          <a:pPr latinLnBrk="1"/>
+          <a:endParaRPr lang="ko-KR" altLang="en-US"/>
+        </a:p>
+      </dgm:t>
     </dgm:pt>
     <dgm:pt modelId="{9E5D2EB0-C50A-4890-92DC-2955848F913A}" type="pres">
       <dgm:prSet presAssocID="{BD27667A-1A03-4000-8170-4BFDA4FD9D5C}" presName="desTx" presStyleLbl="alignAccFollowNode1" presStyleIdx="3" presStyleCnt="4">
@@ -5699,6 +6037,14 @@
         </dgm:presLayoutVars>
       </dgm:prSet>
       <dgm:spPr/>
+      <dgm:t>
+        <a:bodyPr/>
+        <a:lstStyle/>
+        <a:p>
+          <a:pPr latinLnBrk="1"/>
+          <a:endParaRPr lang="ko-KR" altLang="en-US"/>
+        </a:p>
+      </dgm:t>
     </dgm:pt>
   </dgm:ptLst>
   <dgm:cxnLst>
@@ -7790,7 +8136,7 @@
       </dsp:nvSpPr>
       <dsp:spPr>
         <a:xfrm>
-          <a:off x="4583" y="1971562"/>
+          <a:off x="4583" y="1469384"/>
           <a:ext cx="2756296" cy="1102518"/>
         </a:xfrm>
         <a:prstGeom prst="rect">
@@ -7832,12 +8178,12 @@
         </a:fontRef>
       </dsp:style>
       <dsp:txBody>
-        <a:bodyPr spcFirstLastPara="0" vert="horz" wrap="square" lIns="334264" tIns="191008" rIns="334264" bIns="191008" numCol="1" spcCol="1270" anchor="ctr" anchorCtr="0">
+        <a:bodyPr spcFirstLastPara="0" vert="horz" wrap="square" lIns="327152" tIns="186944" rIns="327152" bIns="186944" numCol="1" spcCol="1270" anchor="ctr" anchorCtr="0">
           <a:noAutofit/>
         </a:bodyPr>
         <a:lstStyle/>
         <a:p>
-          <a:pPr lvl="0" algn="ctr" defTabSz="2089150" latinLnBrk="1">
+          <a:pPr lvl="0" algn="ctr" defTabSz="2044700" latinLnBrk="1">
             <a:lnSpc>
               <a:spcPct val="90000"/>
             </a:lnSpc>
@@ -7849,14 +8195,20 @@
             </a:spcAft>
           </a:pPr>
           <a:r>
-            <a:rPr lang="ko-KR" altLang="en-US" sz="4700" kern="1200" dirty="0" err="1" smtClean="0"/>
-            <a:t>권병진</a:t>
+            <a:rPr lang="ko-KR" altLang="en-US" sz="4600" kern="1200" dirty="0" smtClean="0">
+              <a:latin typeface="여기어때 잘난체 OTF" panose="020B0600000101010101" pitchFamily="34" charset="-127"/>
+              <a:ea typeface="여기어때 잘난체 OTF" panose="020B0600000101010101" pitchFamily="34" charset="-127"/>
+            </a:rPr>
+            <a:t>권 병 진</a:t>
           </a:r>
-          <a:endParaRPr lang="ko-KR" altLang="en-US" sz="4700" kern="1200" dirty="0"/>
+          <a:endParaRPr lang="ko-KR" altLang="en-US" sz="4600" kern="1200" dirty="0">
+            <a:latin typeface="여기어때 잘난체 OTF" panose="020B0600000101010101" pitchFamily="34" charset="-127"/>
+            <a:ea typeface="여기어때 잘난체 OTF" panose="020B0600000101010101" pitchFamily="34" charset="-127"/>
+          </a:endParaRPr>
         </a:p>
       </dsp:txBody>
       <dsp:txXfrm>
-        <a:off x="4583" y="1971562"/>
+        <a:off x="4583" y="1469384"/>
         <a:ext cx="2756296" cy="1102518"/>
       </dsp:txXfrm>
     </dsp:sp>
@@ -7867,8 +8219,198 @@
       </dsp:nvSpPr>
       <dsp:spPr>
         <a:xfrm>
-          <a:off x="4583" y="3074080"/>
-          <a:ext cx="2756296" cy="2064240"/>
+          <a:off x="4583" y="2571903"/>
+          <a:ext cx="2756296" cy="2588535"/>
+        </a:xfrm>
+        <a:prstGeom prst="rect">
+          <a:avLst/>
+        </a:prstGeom>
+        <a:solidFill>
+          <a:schemeClr val="accent1">
+            <a:alpha val="90000"/>
+            <a:tint val="40000"/>
+            <a:hueOff val="0"/>
+            <a:satOff val="0"/>
+            <a:lumOff val="0"/>
+            <a:alphaOff val="0"/>
+          </a:schemeClr>
+        </a:solidFill>
+        <a:ln w="15875" cap="flat" cmpd="sng" algn="ctr">
+          <a:solidFill>
+            <a:schemeClr val="accent1">
+              <a:alpha val="90000"/>
+              <a:tint val="40000"/>
+              <a:hueOff val="0"/>
+              <a:satOff val="0"/>
+              <a:lumOff val="0"/>
+              <a:alphaOff val="0"/>
+            </a:schemeClr>
+          </a:solidFill>
+          <a:prstDash val="solid"/>
+        </a:ln>
+        <a:effectLst/>
+      </dsp:spPr>
+      <dsp:style>
+        <a:lnRef idx="2">
+          <a:scrgbClr r="0" g="0" b="0"/>
+        </a:lnRef>
+        <a:fillRef idx="1">
+          <a:scrgbClr r="0" g="0" b="0"/>
+        </a:fillRef>
+        <a:effectRef idx="0">
+          <a:scrgbClr r="0" g="0" b="0"/>
+        </a:effectRef>
+        <a:fontRef idx="minor"/>
+      </dsp:style>
+      <dsp:txBody>
+        <a:bodyPr spcFirstLastPara="0" vert="horz" wrap="square" lIns="106680" tIns="106680" rIns="142240" bIns="160020" numCol="1" spcCol="1270" anchor="t" anchorCtr="0">
+          <a:noAutofit/>
+        </a:bodyPr>
+        <a:lstStyle/>
+        <a:p>
+          <a:pPr marL="228600" lvl="1" indent="-228600" algn="l" defTabSz="889000" latinLnBrk="1">
+            <a:lnSpc>
+              <a:spcPct val="90000"/>
+            </a:lnSpc>
+            <a:spcBef>
+              <a:spcPct val="0"/>
+            </a:spcBef>
+            <a:spcAft>
+              <a:spcPct val="15000"/>
+            </a:spcAft>
+            <a:buChar char="••"/>
+          </a:pPr>
+          <a:r>
+            <a:rPr lang="ko-KR" altLang="en-US" sz="2000" kern="1200" dirty="0" smtClean="0">
+              <a:latin typeface="여기어때 잘난체 OTF" panose="020B0600000101010101" pitchFamily="34" charset="-127"/>
+              <a:ea typeface="여기어때 잘난체 OTF" panose="020B0600000101010101" pitchFamily="34" charset="-127"/>
+            </a:rPr>
+            <a:t>타 언어와 다르게 문법이 직설적이며</a:t>
+          </a:r>
+          <a:r>
+            <a:rPr lang="en-US" altLang="ko-KR" sz="2000" kern="1200" dirty="0" smtClean="0">
+              <a:latin typeface="여기어때 잘난체 OTF" panose="020B0600000101010101" pitchFamily="34" charset="-127"/>
+              <a:ea typeface="여기어때 잘난체 OTF" panose="020B0600000101010101" pitchFamily="34" charset="-127"/>
+            </a:rPr>
+            <a:t>, </a:t>
+          </a:r>
+          <a:r>
+            <a:rPr lang="ko-KR" altLang="en-US" sz="2000" kern="1200" dirty="0" smtClean="0">
+              <a:latin typeface="여기어때 잘난체 OTF" panose="020B0600000101010101" pitchFamily="34" charset="-127"/>
+              <a:ea typeface="여기어때 잘난체 OTF" panose="020B0600000101010101" pitchFamily="34" charset="-127"/>
+            </a:rPr>
+            <a:t>영어 문법 그 자체같은 느낌이 강해 생각보다 어려웠다</a:t>
+          </a:r>
+          <a:r>
+            <a:rPr lang="en-US" altLang="ko-KR" sz="2000" kern="1200" dirty="0" smtClean="0">
+              <a:latin typeface="여기어때 잘난체 OTF" panose="020B0600000101010101" pitchFamily="34" charset="-127"/>
+              <a:ea typeface="여기어때 잘난체 OTF" panose="020B0600000101010101" pitchFamily="34" charset="-127"/>
+            </a:rPr>
+            <a:t>. </a:t>
+          </a:r>
+          <a:endParaRPr lang="ko-KR" altLang="en-US" sz="2000" kern="1200" dirty="0">
+            <a:latin typeface="여기어때 잘난체 OTF" panose="020B0600000101010101" pitchFamily="34" charset="-127"/>
+            <a:ea typeface="여기어때 잘난체 OTF" panose="020B0600000101010101" pitchFamily="34" charset="-127"/>
+          </a:endParaRPr>
+        </a:p>
+      </dsp:txBody>
+      <dsp:txXfrm>
+        <a:off x="4583" y="2571903"/>
+        <a:ext cx="2756296" cy="2588535"/>
+      </dsp:txXfrm>
+    </dsp:sp>
+    <dsp:sp modelId="{72690828-04CE-4A2A-9D57-3C6E2BB5C65E}">
+      <dsp:nvSpPr>
+        <dsp:cNvPr id="0" name=""/>
+        <dsp:cNvSpPr/>
+      </dsp:nvSpPr>
+      <dsp:spPr>
+        <a:xfrm>
+          <a:off x="3146762" y="1469384"/>
+          <a:ext cx="2756296" cy="1102518"/>
+        </a:xfrm>
+        <a:prstGeom prst="rect">
+          <a:avLst/>
+        </a:prstGeom>
+        <a:solidFill>
+          <a:schemeClr val="accent1">
+            <a:hueOff val="0"/>
+            <a:satOff val="0"/>
+            <a:lumOff val="0"/>
+            <a:alphaOff val="0"/>
+          </a:schemeClr>
+        </a:solidFill>
+        <a:ln w="15875" cap="flat" cmpd="sng" algn="ctr">
+          <a:solidFill>
+            <a:schemeClr val="accent1">
+              <a:hueOff val="0"/>
+              <a:satOff val="0"/>
+              <a:lumOff val="0"/>
+              <a:alphaOff val="0"/>
+            </a:schemeClr>
+          </a:solidFill>
+          <a:prstDash val="solid"/>
+        </a:ln>
+        <a:effectLst/>
+      </dsp:spPr>
+      <dsp:style>
+        <a:lnRef idx="2">
+          <a:scrgbClr r="0" g="0" b="0"/>
+        </a:lnRef>
+        <a:fillRef idx="1">
+          <a:scrgbClr r="0" g="0" b="0"/>
+        </a:fillRef>
+        <a:effectRef idx="0">
+          <a:scrgbClr r="0" g="0" b="0"/>
+        </a:effectRef>
+        <a:fontRef idx="minor">
+          <a:schemeClr val="lt1"/>
+        </a:fontRef>
+      </dsp:style>
+      <dsp:txBody>
+        <a:bodyPr spcFirstLastPara="0" vert="horz" wrap="square" lIns="327152" tIns="186944" rIns="327152" bIns="186944" numCol="1" spcCol="1270" anchor="ctr" anchorCtr="0">
+          <a:noAutofit/>
+        </a:bodyPr>
+        <a:lstStyle/>
+        <a:p>
+          <a:pPr lvl="0" algn="ctr" defTabSz="2044700" latinLnBrk="1">
+            <a:lnSpc>
+              <a:spcPct val="90000"/>
+            </a:lnSpc>
+            <a:spcBef>
+              <a:spcPct val="0"/>
+            </a:spcBef>
+            <a:spcAft>
+              <a:spcPct val="35000"/>
+            </a:spcAft>
+          </a:pPr>
+          <a:r>
+            <a:rPr lang="ko-KR" altLang="en-US" sz="4600" kern="1200" dirty="0" smtClean="0">
+              <a:latin typeface="여기어때 잘난체 OTF" panose="020B0600000101010101" pitchFamily="34" charset="-127"/>
+              <a:ea typeface="여기어때 잘난체 OTF" panose="020B0600000101010101" pitchFamily="34" charset="-127"/>
+            </a:rPr>
+            <a:t>백 정 윤</a:t>
+          </a:r>
+          <a:endParaRPr lang="ko-KR" altLang="en-US" sz="4600" kern="1200" dirty="0">
+            <a:latin typeface="여기어때 잘난체 OTF" panose="020B0600000101010101" pitchFamily="34" charset="-127"/>
+            <a:ea typeface="여기어때 잘난체 OTF" panose="020B0600000101010101" pitchFamily="34" charset="-127"/>
+          </a:endParaRPr>
+        </a:p>
+      </dsp:txBody>
+      <dsp:txXfrm>
+        <a:off x="3146762" y="1469384"/>
+        <a:ext cx="2756296" cy="1102518"/>
+      </dsp:txXfrm>
+    </dsp:sp>
+    <dsp:sp modelId="{5B81F7B1-E625-4507-841A-19E6E73B3B19}">
+      <dsp:nvSpPr>
+        <dsp:cNvPr id="0" name=""/>
+        <dsp:cNvSpPr/>
+      </dsp:nvSpPr>
+      <dsp:spPr>
+        <a:xfrm>
+          <a:off x="3146762" y="2571903"/>
+          <a:ext cx="2756296" cy="2588535"/>
         </a:xfrm>
         <a:prstGeom prst="rect">
           <a:avLst/>
@@ -7932,22 +8474,74 @@
             <a:rPr lang="en-US" altLang="ko-KR" sz="4700" kern="1200" dirty="0" smtClean="0"/>
             <a:t> </a:t>
           </a:r>
-          <a:endParaRPr lang="ko-KR" altLang="en-US" sz="4700" kern="1200" dirty="0"/>
+          <a:r>
+            <a:rPr lang="ko-KR" altLang="en-US" sz="1800" kern="1200" dirty="0" smtClean="0">
+              <a:latin typeface="여기어때 잘난체 OTF" panose="020B0600000101010101" pitchFamily="34" charset="-127"/>
+              <a:ea typeface="여기어때 잘난체 OTF" panose="020B0600000101010101" pitchFamily="34" charset="-127"/>
+            </a:rPr>
+            <a:t>기존 </a:t>
+          </a:r>
+          <a:r>
+            <a:rPr lang="en-US" altLang="ko-KR" sz="1800" kern="1200" dirty="0" smtClean="0">
+              <a:latin typeface="여기어때 잘난체 OTF" panose="020B0600000101010101" pitchFamily="34" charset="-127"/>
+              <a:ea typeface="여기어때 잘난체 OTF" panose="020B0600000101010101" pitchFamily="34" charset="-127"/>
+            </a:rPr>
+            <a:t>C</a:t>
+          </a:r>
+          <a:r>
+            <a:rPr lang="ko-KR" altLang="en-US" sz="1800" kern="1200" dirty="0" smtClean="0">
+              <a:latin typeface="여기어때 잘난체 OTF" panose="020B0600000101010101" pitchFamily="34" charset="-127"/>
+              <a:ea typeface="여기어때 잘난체 OTF" panose="020B0600000101010101" pitchFamily="34" charset="-127"/>
+            </a:rPr>
+            <a:t>언어와 </a:t>
+          </a:r>
+          <a:r>
+            <a:rPr lang="en-US" altLang="ko-KR" sz="1800" kern="1200" dirty="0" smtClean="0">
+              <a:latin typeface="여기어때 잘난체 OTF" panose="020B0600000101010101" pitchFamily="34" charset="-127"/>
+              <a:ea typeface="여기어때 잘난체 OTF" panose="020B0600000101010101" pitchFamily="34" charset="-127"/>
+            </a:rPr>
+            <a:t>JAVA</a:t>
+          </a:r>
+          <a:r>
+            <a:rPr lang="ko-KR" altLang="en-US" sz="1800" kern="1200" dirty="0" smtClean="0">
+              <a:latin typeface="여기어때 잘난체 OTF" panose="020B0600000101010101" pitchFamily="34" charset="-127"/>
+              <a:ea typeface="여기어때 잘난체 OTF" panose="020B0600000101010101" pitchFamily="34" charset="-127"/>
+            </a:rPr>
+            <a:t>와 달리 개념이 다른 프로그램이라서 생소했지만 구현 해보니까 즐거웠습니다</a:t>
+          </a:r>
+          <a:r>
+            <a:rPr lang="en-US" altLang="ko-KR" sz="1800" kern="1200" dirty="0" smtClean="0">
+              <a:latin typeface="여기어때 잘난체 OTF" panose="020B0600000101010101" pitchFamily="34" charset="-127"/>
+              <a:ea typeface="여기어때 잘난체 OTF" panose="020B0600000101010101" pitchFamily="34" charset="-127"/>
+            </a:rPr>
+            <a:t>.</a:t>
+          </a:r>
+          <a:r>
+            <a:rPr lang="ko-KR" altLang="en-US" sz="1800" kern="1200" dirty="0" smtClean="0">
+              <a:latin typeface="여기어때 잘난체 OTF" panose="020B0600000101010101" pitchFamily="34" charset="-127"/>
+              <a:ea typeface="여기어때 잘난체 OTF" panose="020B0600000101010101" pitchFamily="34" charset="-127"/>
+            </a:rPr>
+            <a:t> </a:t>
+          </a:r>
+          <a:endParaRPr lang="ko-KR" altLang="en-US" sz="1800" kern="1200" dirty="0">
+            <a:latin typeface="여기어때 잘난체 OTF" panose="020B0600000101010101" pitchFamily="34" charset="-127"/>
+            <a:ea typeface="여기어때 잘난체 OTF" panose="020B0600000101010101" pitchFamily="34" charset="-127"/>
+          </a:endParaRPr>
         </a:p>
       </dsp:txBody>
       <dsp:txXfrm>
-        <a:off x="4583" y="3074080"/>
-        <a:ext cx="2756296" cy="2064240"/>
+        <a:off x="3146762" y="2571903"/>
+        <a:ext cx="2756296" cy="2588535"/>
       </dsp:txXfrm>
     </dsp:sp>
-    <dsp:sp modelId="{72690828-04CE-4A2A-9D57-3C6E2BB5C65E}">
+    <dsp:sp modelId="{889D58BE-8ED5-49FE-B81C-37F5E0A7226E}">
       <dsp:nvSpPr>
         <dsp:cNvPr id="0" name=""/>
         <dsp:cNvSpPr/>
       </dsp:nvSpPr>
       <dsp:spPr>
         <a:xfrm>
-          <a:off x="3146762" y="1971562"/>
+          <a:off x="6288940" y="1469384"/>
           <a:ext cx="2756296" cy="1102518"/>
         </a:xfrm>
         <a:prstGeom prst="rect">
@@ -7989,12 +8583,12 @@
         </a:fontRef>
       </dsp:style>
       <dsp:txBody>
-        <a:bodyPr spcFirstLastPara="0" vert="horz" wrap="square" lIns="334264" tIns="191008" rIns="334264" bIns="191008" numCol="1" spcCol="1270" anchor="ctr" anchorCtr="0">
+        <a:bodyPr spcFirstLastPara="0" vert="horz" wrap="square" lIns="327152" tIns="186944" rIns="327152" bIns="186944" numCol="1" spcCol="1270" anchor="ctr" anchorCtr="0">
           <a:noAutofit/>
         </a:bodyPr>
         <a:lstStyle/>
         <a:p>
-          <a:pPr lvl="0" algn="ctr" defTabSz="2089150" latinLnBrk="1">
+          <a:pPr lvl="0" algn="ctr" defTabSz="2044700" latinLnBrk="1">
             <a:lnSpc>
               <a:spcPct val="90000"/>
             </a:lnSpc>
@@ -8006,26 +8600,32 @@
             </a:spcAft>
           </a:pPr>
           <a:r>
-            <a:rPr lang="ko-KR" altLang="en-US" sz="4700" kern="1200" dirty="0" err="1" smtClean="0"/>
-            <a:t>백정윤</a:t>
+            <a:rPr lang="ko-KR" altLang="en-US" sz="4600" kern="1200" dirty="0" smtClean="0">
+              <a:latin typeface="여기어때 잘난체 OTF" panose="020B0600000101010101" pitchFamily="34" charset="-127"/>
+              <a:ea typeface="여기어때 잘난체 OTF" panose="020B0600000101010101" pitchFamily="34" charset="-127"/>
+            </a:rPr>
+            <a:t>홍 주 환</a:t>
           </a:r>
-          <a:endParaRPr lang="ko-KR" altLang="en-US" sz="4700" kern="1200" dirty="0"/>
+          <a:endParaRPr lang="ko-KR" altLang="en-US" sz="4600" kern="1200" dirty="0">
+            <a:latin typeface="여기어때 잘난체 OTF" panose="020B0600000101010101" pitchFamily="34" charset="-127"/>
+            <a:ea typeface="여기어때 잘난체 OTF" panose="020B0600000101010101" pitchFamily="34" charset="-127"/>
+          </a:endParaRPr>
         </a:p>
       </dsp:txBody>
       <dsp:txXfrm>
-        <a:off x="3146762" y="1971562"/>
+        <a:off x="6288940" y="1469384"/>
         <a:ext cx="2756296" cy="1102518"/>
       </dsp:txXfrm>
     </dsp:sp>
-    <dsp:sp modelId="{5B81F7B1-E625-4507-841A-19E6E73B3B19}">
+    <dsp:sp modelId="{8453E2C6-48E6-42A2-B800-3858DEFCC2D5}">
       <dsp:nvSpPr>
         <dsp:cNvPr id="0" name=""/>
         <dsp:cNvSpPr/>
       </dsp:nvSpPr>
       <dsp:spPr>
         <a:xfrm>
-          <a:off x="3146762" y="3074080"/>
-          <a:ext cx="2756296" cy="2064240"/>
+          <a:off x="6288940" y="2571903"/>
+          <a:ext cx="2756296" cy="2588535"/>
         </a:xfrm>
         <a:prstGeom prst="rect">
           <a:avLst/>
@@ -8068,12 +8668,12 @@
         <a:fontRef idx="minor"/>
       </dsp:style>
       <dsp:txBody>
-        <a:bodyPr spcFirstLastPara="0" vert="horz" wrap="square" lIns="250698" tIns="250698" rIns="334264" bIns="376047" numCol="1" spcCol="1270" anchor="t" anchorCtr="0">
+        <a:bodyPr spcFirstLastPara="0" vert="horz" wrap="square" lIns="96012" tIns="96012" rIns="128016" bIns="144018" numCol="1" spcCol="1270" anchor="t" anchorCtr="0">
           <a:noAutofit/>
         </a:bodyPr>
         <a:lstStyle/>
         <a:p>
-          <a:pPr marL="285750" lvl="1" indent="-285750" algn="l" defTabSz="2089150" latinLnBrk="1">
+          <a:pPr marL="171450" lvl="1" indent="-171450" algn="l" defTabSz="800100" latinLnBrk="1">
             <a:lnSpc>
               <a:spcPct val="90000"/>
             </a:lnSpc>
@@ -8086,25 +8686,66 @@
             <a:buChar char="••"/>
           </a:pPr>
           <a:r>
-            <a:rPr lang="en-US" altLang="ko-KR" sz="4700" kern="1200" dirty="0" smtClean="0"/>
+            <a:rPr lang="en-US" altLang="ko-KR" sz="1800" kern="1200" dirty="0" smtClean="0">
+              <a:latin typeface="여기어때 잘난체 OTF" panose="020B0600000101010101" pitchFamily="34" charset="-127"/>
+              <a:ea typeface="여기어때 잘난체 OTF" panose="020B0600000101010101" pitchFamily="34" charset="-127"/>
+            </a:rPr>
+            <a:t>SQL</a:t>
+          </a:r>
+          <a:r>
+            <a:rPr lang="ko-KR" altLang="ko-KR" sz="1800" kern="1200" dirty="0" smtClean="0">
+              <a:latin typeface="여기어때 잘난체 OTF" panose="020B0600000101010101" pitchFamily="34" charset="-127"/>
+              <a:ea typeface="여기어때 잘난체 OTF" panose="020B0600000101010101" pitchFamily="34" charset="-127"/>
+            </a:rPr>
+            <a:t>문법과 기능에 대해서 새로 알게</a:t>
+          </a:r>
+          <a:r>
+            <a:rPr lang="en-US" altLang="ko-KR" sz="1800" kern="1200" dirty="0" smtClean="0">
+              <a:latin typeface="여기어때 잘난체 OTF" panose="020B0600000101010101" pitchFamily="34" charset="-127"/>
+              <a:ea typeface="여기어때 잘난체 OTF" panose="020B0600000101010101" pitchFamily="34" charset="-127"/>
+            </a:rPr>
             <a:t> </a:t>
           </a:r>
-          <a:endParaRPr lang="ko-KR" altLang="en-US" sz="4700" kern="1200" dirty="0"/>
+          <a:r>
+            <a:rPr lang="ko-KR" altLang="ko-KR" sz="1800" kern="1200" dirty="0" smtClean="0">
+              <a:latin typeface="여기어때 잘난체 OTF" panose="020B0600000101010101" pitchFamily="34" charset="-127"/>
+              <a:ea typeface="여기어때 잘난체 OTF" panose="020B0600000101010101" pitchFamily="34" charset="-127"/>
+            </a:rPr>
+            <a:t>되었고</a:t>
+          </a:r>
+          <a:r>
+            <a:rPr lang="en-US" altLang="ko-KR" sz="1800" kern="1200" dirty="0" smtClean="0">
+              <a:latin typeface="여기어때 잘난체 OTF" panose="020B0600000101010101" pitchFamily="34" charset="-127"/>
+              <a:ea typeface="여기어때 잘난체 OTF" panose="020B0600000101010101" pitchFamily="34" charset="-127"/>
+            </a:rPr>
+            <a:t>,</a:t>
+          </a:r>
+          <a:r>
+            <a:rPr lang="ko-KR" altLang="ko-KR" sz="1800" kern="1200" dirty="0" smtClean="0">
+              <a:latin typeface="여기어때 잘난체 OTF" panose="020B0600000101010101" pitchFamily="34" charset="-127"/>
+              <a:ea typeface="여기어때 잘난체 OTF" panose="020B0600000101010101" pitchFamily="34" charset="-127"/>
+            </a:rPr>
+            <a:t>몰랐던 기능들을 배우는 것이 흥미로웠습니다</a:t>
+          </a:r>
+          <a:endParaRPr lang="ko-KR" altLang="en-US" sz="1800" kern="1200" dirty="0">
+            <a:latin typeface="여기어때 잘난체 OTF" panose="020B0600000101010101" pitchFamily="34" charset="-127"/>
+            <a:ea typeface="여기어때 잘난체 OTF" panose="020B0600000101010101" pitchFamily="34" charset="-127"/>
+          </a:endParaRPr>
         </a:p>
       </dsp:txBody>
       <dsp:txXfrm>
-        <a:off x="3146762" y="3074080"/>
-        <a:ext cx="2756296" cy="2064240"/>
+        <a:off x="6288940" y="2571903"/>
+        <a:ext cx="2756296" cy="2588535"/>
       </dsp:txXfrm>
     </dsp:sp>
-    <dsp:sp modelId="{889D58BE-8ED5-49FE-B81C-37F5E0A7226E}">
+    <dsp:sp modelId="{8371B546-D874-4C63-B2FC-D607F244CDD1}">
       <dsp:nvSpPr>
         <dsp:cNvPr id="0" name=""/>
         <dsp:cNvSpPr/>
       </dsp:nvSpPr>
       <dsp:spPr>
         <a:xfrm>
-          <a:off x="6288940" y="1971562"/>
+          <a:off x="9431119" y="1469384"/>
           <a:ext cx="2756296" cy="1102518"/>
         </a:xfrm>
         <a:prstGeom prst="rect">
@@ -8146,12 +8787,12 @@
         </a:fontRef>
       </dsp:style>
       <dsp:txBody>
-        <a:bodyPr spcFirstLastPara="0" vert="horz" wrap="square" lIns="334264" tIns="191008" rIns="334264" bIns="191008" numCol="1" spcCol="1270" anchor="ctr" anchorCtr="0">
+        <a:bodyPr spcFirstLastPara="0" vert="horz" wrap="square" lIns="327152" tIns="186944" rIns="327152" bIns="186944" numCol="1" spcCol="1270" anchor="ctr" anchorCtr="0">
           <a:noAutofit/>
         </a:bodyPr>
         <a:lstStyle/>
         <a:p>
-          <a:pPr lvl="0" algn="ctr" defTabSz="2089150" latinLnBrk="1">
+          <a:pPr lvl="0" algn="ctr" defTabSz="2044700" latinLnBrk="1">
             <a:lnSpc>
               <a:spcPct val="90000"/>
             </a:lnSpc>
@@ -8163,26 +8804,32 @@
             </a:spcAft>
           </a:pPr>
           <a:r>
-            <a:rPr lang="ko-KR" altLang="en-US" sz="4700" kern="1200" dirty="0" err="1" smtClean="0"/>
-            <a:t>홍주환</a:t>
+            <a:rPr lang="ko-KR" altLang="en-US" sz="4600" kern="1200" dirty="0" smtClean="0">
+              <a:latin typeface="여기어때 잘난체 OTF" panose="020B0600000101010101" pitchFamily="34" charset="-127"/>
+              <a:ea typeface="여기어때 잘난체 OTF" panose="020B0600000101010101" pitchFamily="34" charset="-127"/>
+            </a:rPr>
+            <a:t>신 예 원</a:t>
           </a:r>
-          <a:endParaRPr lang="ko-KR" altLang="en-US" sz="4700" kern="1200" dirty="0"/>
+          <a:endParaRPr lang="ko-KR" altLang="en-US" sz="4600" kern="1200" dirty="0">
+            <a:latin typeface="여기어때 잘난체 OTF" panose="020B0600000101010101" pitchFamily="34" charset="-127"/>
+            <a:ea typeface="여기어때 잘난체 OTF" panose="020B0600000101010101" pitchFamily="34" charset="-127"/>
+          </a:endParaRPr>
         </a:p>
       </dsp:txBody>
       <dsp:txXfrm>
-        <a:off x="6288940" y="1971562"/>
+        <a:off x="9431119" y="1469384"/>
         <a:ext cx="2756296" cy="1102518"/>
       </dsp:txXfrm>
     </dsp:sp>
-    <dsp:sp modelId="{8453E2C6-48E6-42A2-B800-3858DEFCC2D5}">
+    <dsp:sp modelId="{9E5D2EB0-C50A-4890-92DC-2955848F913A}">
       <dsp:nvSpPr>
         <dsp:cNvPr id="0" name=""/>
         <dsp:cNvSpPr/>
       </dsp:nvSpPr>
       <dsp:spPr>
         <a:xfrm>
-          <a:off x="6288940" y="3074080"/>
-          <a:ext cx="2756296" cy="2064240"/>
+          <a:off x="9431119" y="2571903"/>
+          <a:ext cx="2756296" cy="2588535"/>
         </a:xfrm>
         <a:prstGeom prst="rect">
           <a:avLst/>
@@ -8225,12 +8872,12 @@
         <a:fontRef idx="minor"/>
       </dsp:style>
       <dsp:txBody>
-        <a:bodyPr spcFirstLastPara="0" vert="horz" wrap="square" lIns="250698" tIns="250698" rIns="334264" bIns="376047" numCol="1" spcCol="1270" anchor="t" anchorCtr="0">
+        <a:bodyPr spcFirstLastPara="0" vert="horz" wrap="square" lIns="106680" tIns="106680" rIns="142240" bIns="160020" numCol="1" spcCol="1270" anchor="t" anchorCtr="0">
           <a:noAutofit/>
         </a:bodyPr>
         <a:lstStyle/>
         <a:p>
-          <a:pPr marL="285750" lvl="1" indent="-285750" algn="l" defTabSz="2089150" latinLnBrk="1">
+          <a:pPr marL="228600" lvl="1" indent="-228600" algn="l" defTabSz="889000" latinLnBrk="1">
             <a:lnSpc>
               <a:spcPct val="90000"/>
             </a:lnSpc>
@@ -8243,172 +8890,28 @@
             <a:buChar char="••"/>
           </a:pPr>
           <a:r>
-            <a:rPr lang="en-US" altLang="ko-KR" sz="4700" kern="1200" dirty="0" smtClean="0"/>
-            <a:t>  </a:t>
+            <a:rPr lang="ko-KR" altLang="en-US" sz="2000" kern="1200" dirty="0" smtClean="0">
+              <a:latin typeface="여기어때 잘난체 OTF" panose="020B0600000101010101" pitchFamily="34" charset="-127"/>
+              <a:ea typeface="여기어때 잘난체 OTF" panose="020B0600000101010101" pitchFamily="34" charset="-127"/>
+            </a:rPr>
+            <a:t>데이터를 직접 다루는 프로그래밍이 매우 흥미롭게 느껴졌습니다</a:t>
           </a:r>
-          <a:endParaRPr lang="ko-KR" altLang="en-US" sz="4700" kern="1200" dirty="0"/>
+          <a:r>
+            <a:rPr lang="en-US" altLang="ko-KR" sz="2000" kern="1200" dirty="0" smtClean="0">
+              <a:latin typeface="여기어때 잘난체 OTF" panose="020B0600000101010101" pitchFamily="34" charset="-127"/>
+              <a:ea typeface="여기어때 잘난체 OTF" panose="020B0600000101010101" pitchFamily="34" charset="-127"/>
+            </a:rPr>
+            <a:t>.</a:t>
+          </a:r>
+          <a:endParaRPr lang="ko-KR" altLang="en-US" sz="2000" kern="1200" dirty="0">
+            <a:latin typeface="여기어때 잘난체 OTF" panose="020B0600000101010101" pitchFamily="34" charset="-127"/>
+            <a:ea typeface="여기어때 잘난체 OTF" panose="020B0600000101010101" pitchFamily="34" charset="-127"/>
+          </a:endParaRPr>
         </a:p>
       </dsp:txBody>
       <dsp:txXfrm>
-        <a:off x="6288940" y="3074080"/>
-        <a:ext cx="2756296" cy="2064240"/>
-      </dsp:txXfrm>
-    </dsp:sp>
-    <dsp:sp modelId="{8371B546-D874-4C63-B2FC-D607F244CDD1}">
-      <dsp:nvSpPr>
-        <dsp:cNvPr id="0" name=""/>
-        <dsp:cNvSpPr/>
-      </dsp:nvSpPr>
-      <dsp:spPr>
-        <a:xfrm>
-          <a:off x="9431119" y="1971562"/>
-          <a:ext cx="2756296" cy="1102518"/>
-        </a:xfrm>
-        <a:prstGeom prst="rect">
-          <a:avLst/>
-        </a:prstGeom>
-        <a:solidFill>
-          <a:schemeClr val="accent1">
-            <a:hueOff val="0"/>
-            <a:satOff val="0"/>
-            <a:lumOff val="0"/>
-            <a:alphaOff val="0"/>
-          </a:schemeClr>
-        </a:solidFill>
-        <a:ln w="15875" cap="flat" cmpd="sng" algn="ctr">
-          <a:solidFill>
-            <a:schemeClr val="accent1">
-              <a:hueOff val="0"/>
-              <a:satOff val="0"/>
-              <a:lumOff val="0"/>
-              <a:alphaOff val="0"/>
-            </a:schemeClr>
-          </a:solidFill>
-          <a:prstDash val="solid"/>
-        </a:ln>
-        <a:effectLst/>
-      </dsp:spPr>
-      <dsp:style>
-        <a:lnRef idx="2">
-          <a:scrgbClr r="0" g="0" b="0"/>
-        </a:lnRef>
-        <a:fillRef idx="1">
-          <a:scrgbClr r="0" g="0" b="0"/>
-        </a:fillRef>
-        <a:effectRef idx="0">
-          <a:scrgbClr r="0" g="0" b="0"/>
-        </a:effectRef>
-        <a:fontRef idx="minor">
-          <a:schemeClr val="lt1"/>
-        </a:fontRef>
-      </dsp:style>
-      <dsp:txBody>
-        <a:bodyPr spcFirstLastPara="0" vert="horz" wrap="square" lIns="334264" tIns="191008" rIns="334264" bIns="191008" numCol="1" spcCol="1270" anchor="ctr" anchorCtr="0">
-          <a:noAutofit/>
-        </a:bodyPr>
-        <a:lstStyle/>
-        <a:p>
-          <a:pPr lvl="0" algn="ctr" defTabSz="2089150" latinLnBrk="1">
-            <a:lnSpc>
-              <a:spcPct val="90000"/>
-            </a:lnSpc>
-            <a:spcBef>
-              <a:spcPct val="0"/>
-            </a:spcBef>
-            <a:spcAft>
-              <a:spcPct val="35000"/>
-            </a:spcAft>
-          </a:pPr>
-          <a:r>
-            <a:rPr lang="ko-KR" altLang="en-US" sz="4700" kern="1200" dirty="0" err="1" smtClean="0"/>
-            <a:t>신예원</a:t>
-          </a:r>
-          <a:endParaRPr lang="ko-KR" altLang="en-US" sz="4700" kern="1200" dirty="0"/>
-        </a:p>
-      </dsp:txBody>
-      <dsp:txXfrm>
-        <a:off x="9431119" y="1971562"/>
-        <a:ext cx="2756296" cy="1102518"/>
-      </dsp:txXfrm>
-    </dsp:sp>
-    <dsp:sp modelId="{9E5D2EB0-C50A-4890-92DC-2955848F913A}">
-      <dsp:nvSpPr>
-        <dsp:cNvPr id="0" name=""/>
-        <dsp:cNvSpPr/>
-      </dsp:nvSpPr>
-      <dsp:spPr>
-        <a:xfrm>
-          <a:off x="9431119" y="3074080"/>
-          <a:ext cx="2756296" cy="2064240"/>
-        </a:xfrm>
-        <a:prstGeom prst="rect">
-          <a:avLst/>
-        </a:prstGeom>
-        <a:solidFill>
-          <a:schemeClr val="accent1">
-            <a:alpha val="90000"/>
-            <a:tint val="40000"/>
-            <a:hueOff val="0"/>
-            <a:satOff val="0"/>
-            <a:lumOff val="0"/>
-            <a:alphaOff val="0"/>
-          </a:schemeClr>
-        </a:solidFill>
-        <a:ln w="15875" cap="flat" cmpd="sng" algn="ctr">
-          <a:solidFill>
-            <a:schemeClr val="accent1">
-              <a:alpha val="90000"/>
-              <a:tint val="40000"/>
-              <a:hueOff val="0"/>
-              <a:satOff val="0"/>
-              <a:lumOff val="0"/>
-              <a:alphaOff val="0"/>
-            </a:schemeClr>
-          </a:solidFill>
-          <a:prstDash val="solid"/>
-        </a:ln>
-        <a:effectLst/>
-      </dsp:spPr>
-      <dsp:style>
-        <a:lnRef idx="2">
-          <a:scrgbClr r="0" g="0" b="0"/>
-        </a:lnRef>
-        <a:fillRef idx="1">
-          <a:scrgbClr r="0" g="0" b="0"/>
-        </a:fillRef>
-        <a:effectRef idx="0">
-          <a:scrgbClr r="0" g="0" b="0"/>
-        </a:effectRef>
-        <a:fontRef idx="minor"/>
-      </dsp:style>
-      <dsp:txBody>
-        <a:bodyPr spcFirstLastPara="0" vert="horz" wrap="square" lIns="250698" tIns="250698" rIns="334264" bIns="376047" numCol="1" spcCol="1270" anchor="t" anchorCtr="0">
-          <a:noAutofit/>
-        </a:bodyPr>
-        <a:lstStyle/>
-        <a:p>
-          <a:pPr marL="285750" lvl="1" indent="-285750" algn="l" defTabSz="2089150" latinLnBrk="1">
-            <a:lnSpc>
-              <a:spcPct val="90000"/>
-            </a:lnSpc>
-            <a:spcBef>
-              <a:spcPct val="0"/>
-            </a:spcBef>
-            <a:spcAft>
-              <a:spcPct val="15000"/>
-            </a:spcAft>
-            <a:buChar char="••"/>
-          </a:pPr>
-          <a:r>
-            <a:rPr lang="en-US" altLang="ko-KR" sz="4700" kern="1200" dirty="0" smtClean="0"/>
-            <a:t> </a:t>
-          </a:r>
-          <a:endParaRPr lang="ko-KR" altLang="en-US" sz="4700" kern="1200" dirty="0"/>
-        </a:p>
-      </dsp:txBody>
-      <dsp:txXfrm>
-        <a:off x="9431119" y="3074080"/>
-        <a:ext cx="2756296" cy="2064240"/>
+        <a:off x="9431119" y="2571903"/>
+        <a:ext cx="2756296" cy="2588535"/>
       </dsp:txXfrm>
     </dsp:sp>
   </dsp:spTree>
@@ -19209,6 +19712,13 @@
   <p:clrMapOvr>
     <a:masterClrMapping/>
   </p:clrMapOvr>
+  <p:timing>
+    <p:tnLst>
+      <p:par>
+        <p:cTn id="1" dur="indefinite" restart="never" nodeType="tmRoot"/>
+      </p:par>
+    </p:tnLst>
+  </p:timing>
 </p:sld>
 </file>
 
@@ -19367,6 +19877,13 @@
   <p:clrMapOvr>
     <a:masterClrMapping/>
   </p:clrMapOvr>
+  <p:timing>
+    <p:tnLst>
+      <p:par>
+        <p:cTn id="1" dur="indefinite" restart="never" nodeType="tmRoot"/>
+      </p:par>
+    </p:tnLst>
+  </p:timing>
 </p:sld>
 </file>
 
@@ -19555,6 +20072,13 @@
   <p:clrMapOvr>
     <a:masterClrMapping/>
   </p:clrMapOvr>
+  <p:timing>
+    <p:tnLst>
+      <p:par>
+        <p:cTn id="1" dur="indefinite" restart="never" nodeType="tmRoot"/>
+      </p:par>
+    </p:tnLst>
+  </p:timing>
 </p:sld>
 </file>
 
@@ -19716,6 +20240,13 @@
   <p:clrMapOvr>
     <a:masterClrMapping/>
   </p:clrMapOvr>
+  <p:timing>
+    <p:tnLst>
+      <p:par>
+        <p:cTn id="1" dur="indefinite" restart="never" nodeType="tmRoot"/>
+      </p:par>
+    </p:tnLst>
+  </p:timing>
 </p:sld>
 </file>
 
@@ -19824,14 +20355,14 @@
           <p:nvPr>
             <p:extLst>
               <p:ext uri="{D42A27DB-BD31-4B8C-83A1-F6EECF244321}">
-                <p14:modId xmlns:p14="http://schemas.microsoft.com/office/powerpoint/2010/main" val="3232911082"/>
+                <p14:modId xmlns:p14="http://schemas.microsoft.com/office/powerpoint/2010/main" val="940593091"/>
               </p:ext>
             </p:extLst>
           </p:nvPr>
         </p:nvGraphicFramePr>
         <p:xfrm>
-          <a:off x="0" y="1085850"/>
-          <a:ext cx="12192000" cy="7109883"/>
+          <a:off x="0" y="1565910"/>
+          <a:ext cx="12192000" cy="6629823"/>
         </p:xfrm>
         <a:graphic>
           <a:graphicData uri="http://schemas.openxmlformats.org/drawingml/2006/diagram">
@@ -19847,7 +20378,7 @@
         </p:nvSpPr>
         <p:spPr>
           <a:xfrm>
-            <a:off x="0" y="1085850"/>
+            <a:off x="11430" y="1085850"/>
             <a:ext cx="2760133" cy="2029883"/>
           </a:xfrm>
           <a:prstGeom prst="rect">
@@ -19911,7 +20442,7 @@
         </p:nvSpPr>
         <p:spPr>
           <a:xfrm>
-            <a:off x="3166534" y="1085850"/>
+            <a:off x="3143674" y="1085850"/>
             <a:ext cx="2760133" cy="2029883"/>
           </a:xfrm>
           <a:prstGeom prst="rect">
@@ -19975,7 +20506,7 @@
         </p:nvSpPr>
         <p:spPr>
           <a:xfrm>
-            <a:off x="6299200" y="1085849"/>
+            <a:off x="6287770" y="1085849"/>
             <a:ext cx="2760133" cy="2029883"/>
           </a:xfrm>
           <a:prstGeom prst="rect">
@@ -20074,7 +20605,7 @@
           <a:p>
             <a:pPr algn="ctr"/>
             <a:r>
-              <a:rPr lang="ko-KR" altLang="en-US" smtClean="0">
+              <a:rPr lang="ko-KR" altLang="en-US" dirty="0" smtClean="0">
                 <a:solidFill>
                   <a:schemeClr val="tx1">
                     <a:lumMod val="95000"/>
@@ -20084,7 +20615,7 @@
               </a:rPr>
               <a:t>사진</a:t>
             </a:r>
-            <a:endParaRPr lang="ko-KR" altLang="en-US">
+            <a:endParaRPr lang="ko-KR" altLang="en-US" dirty="0">
               <a:solidFill>
                 <a:schemeClr val="tx1">
                   <a:lumMod val="95000"/>
@@ -20095,6 +20626,126 @@
           </a:p>
         </p:txBody>
       </p:sp>
+      <p:pic>
+        <p:nvPicPr>
+          <p:cNvPr id="2" name="그림 1"/>
+          <p:cNvPicPr>
+            <a:picLocks noChangeAspect="1"/>
+          </p:cNvPicPr>
+          <p:nvPr/>
+        </p:nvPicPr>
+        <p:blipFill>
+          <a:blip r:embed="rId7">
+            <a:extLst>
+              <a:ext uri="{28A0092B-C50C-407E-A947-70E740481C1C}">
+                <a14:useLocalDpi xmlns:a14="http://schemas.microsoft.com/office/drawing/2010/main" val="0"/>
+              </a:ext>
+            </a:extLst>
+          </a:blip>
+          <a:stretch>
+            <a:fillRect/>
+          </a:stretch>
+        </p:blipFill>
+        <p:spPr>
+          <a:xfrm>
+            <a:off x="474479" y="1180675"/>
+            <a:ext cx="1834034" cy="1840230"/>
+          </a:xfrm>
+          <a:prstGeom prst="rect">
+            <a:avLst/>
+          </a:prstGeom>
+        </p:spPr>
+      </p:pic>
+      <p:pic>
+        <p:nvPicPr>
+          <p:cNvPr id="5" name="그림 4"/>
+          <p:cNvPicPr>
+            <a:picLocks noChangeAspect="1"/>
+          </p:cNvPicPr>
+          <p:nvPr/>
+        </p:nvPicPr>
+        <p:blipFill>
+          <a:blip r:embed="rId8">
+            <a:extLst>
+              <a:ext uri="{28A0092B-C50C-407E-A947-70E740481C1C}">
+                <a14:useLocalDpi xmlns:a14="http://schemas.microsoft.com/office/drawing/2010/main" val="0"/>
+              </a:ext>
+            </a:extLst>
+          </a:blip>
+          <a:stretch>
+            <a:fillRect/>
+          </a:stretch>
+        </p:blipFill>
+        <p:spPr>
+          <a:xfrm>
+            <a:off x="9873425" y="1180675"/>
+            <a:ext cx="1877015" cy="1840230"/>
+          </a:xfrm>
+          <a:prstGeom prst="rect">
+            <a:avLst/>
+          </a:prstGeom>
+        </p:spPr>
+      </p:pic>
+      <p:pic>
+        <p:nvPicPr>
+          <p:cNvPr id="10" name="그림 9"/>
+          <p:cNvPicPr>
+            <a:picLocks noChangeAspect="1"/>
+          </p:cNvPicPr>
+          <p:nvPr/>
+        </p:nvPicPr>
+        <p:blipFill>
+          <a:blip r:embed="rId9">
+            <a:extLst>
+              <a:ext uri="{28A0092B-C50C-407E-A947-70E740481C1C}">
+                <a14:useLocalDpi xmlns:a14="http://schemas.microsoft.com/office/drawing/2010/main" val="0"/>
+              </a:ext>
+            </a:extLst>
+          </a:blip>
+          <a:stretch>
+            <a:fillRect/>
+          </a:stretch>
+        </p:blipFill>
+        <p:spPr>
+          <a:xfrm>
+            <a:off x="6647030" y="1133261"/>
+            <a:ext cx="2064472" cy="1935057"/>
+          </a:xfrm>
+          <a:prstGeom prst="rect">
+            <a:avLst/>
+          </a:prstGeom>
+        </p:spPr>
+      </p:pic>
+      <p:pic>
+        <p:nvPicPr>
+          <p:cNvPr id="12" name="그림 11"/>
+          <p:cNvPicPr>
+            <a:picLocks noChangeAspect="1"/>
+          </p:cNvPicPr>
+          <p:nvPr/>
+        </p:nvPicPr>
+        <p:blipFill>
+          <a:blip r:embed="rId10">
+            <a:extLst>
+              <a:ext uri="{28A0092B-C50C-407E-A947-70E740481C1C}">
+                <a14:useLocalDpi xmlns:a14="http://schemas.microsoft.com/office/drawing/2010/main" val="0"/>
+              </a:ext>
+            </a:extLst>
+          </a:blip>
+          <a:stretch>
+            <a:fillRect/>
+          </a:stretch>
+        </p:blipFill>
+        <p:spPr>
+          <a:xfrm>
+            <a:off x="3665220" y="1133261"/>
+            <a:ext cx="1710998" cy="1935057"/>
+          </a:xfrm>
+          <a:prstGeom prst="rect">
+            <a:avLst/>
+          </a:prstGeom>
+        </p:spPr>
+      </p:pic>
     </p:spTree>
     <p:extLst>
       <p:ext uri="{BB962C8B-B14F-4D97-AF65-F5344CB8AC3E}">
@@ -20105,6 +20756,13 @@
   <p:clrMapOvr>
     <a:masterClrMapping/>
   </p:clrMapOvr>
+  <p:timing>
+    <p:tnLst>
+      <p:par>
+        <p:cTn id="1" dur="indefinite" restart="never" nodeType="tmRoot"/>
+      </p:par>
+    </p:tnLst>
+  </p:timing>
 </p:sld>
 </file>
 
@@ -20216,7 +20874,7 @@
         <p:spPr>
           <a:xfrm>
             <a:off x="1524004" y="1085850"/>
-            <a:ext cx="9160933" cy="5811610"/>
+            <a:ext cx="9163046" cy="5811610"/>
           </a:xfrm>
           <a:prstGeom prst="rect">
             <a:avLst/>
@@ -20233,6 +20891,13 @@
   <p:clrMapOvr>
     <a:masterClrMapping/>
   </p:clrMapOvr>
+  <p:timing>
+    <p:tnLst>
+      <p:par>
+        <p:cTn id="1" dur="indefinite" restart="never" nodeType="tmRoot"/>
+      </p:par>
+    </p:tnLst>
+  </p:timing>
 </p:sld>
 </file>
 
@@ -20321,6 +20986,13 @@
   <p:clrMapOvr>
     <a:masterClrMapping/>
   </p:clrMapOvr>
+  <p:timing>
+    <p:tnLst>
+      <p:par>
+        <p:cTn id="1" dur="indefinite" restart="never" nodeType="tmRoot"/>
+      </p:par>
+    </p:tnLst>
+  </p:timing>
 </p:sld>
 </file>
 
@@ -20403,6 +21075,13 @@
   <p:clrMapOvr>
     <a:masterClrMapping/>
   </p:clrMapOvr>
+  <p:timing>
+    <p:tnLst>
+      <p:par>
+        <p:cTn id="1" dur="indefinite" restart="never" nodeType="tmRoot"/>
+      </p:par>
+    </p:tnLst>
+  </p:timing>
 </p:sld>
 </file>
 
@@ -20507,6 +21186,13 @@
   <p:clrMapOvr>
     <a:masterClrMapping/>
   </p:clrMapOvr>
+  <p:timing>
+    <p:tnLst>
+      <p:par>
+        <p:cTn id="1" dur="indefinite" restart="never" nodeType="tmRoot"/>
+      </p:par>
+    </p:tnLst>
+  </p:timing>
 </p:sld>
 </file>
 
@@ -20665,6 +21351,13 @@
   <p:clrMapOvr>
     <a:masterClrMapping/>
   </p:clrMapOvr>
+  <p:timing>
+    <p:tnLst>
+      <p:par>
+        <p:cTn id="1" dur="indefinite" restart="never" nodeType="tmRoot"/>
+      </p:par>
+    </p:tnLst>
+  </p:timing>
 </p:sld>
 </file>
 
@@ -20853,6 +21546,13 @@
   <p:clrMapOvr>
     <a:masterClrMapping/>
   </p:clrMapOvr>
+  <p:timing>
+    <p:tnLst>
+      <p:par>
+        <p:cTn id="1" dur="indefinite" restart="never" nodeType="tmRoot"/>
+      </p:par>
+    </p:tnLst>
+  </p:timing>
 </p:sld>
 </file>
 
@@ -21011,6 +21711,13 @@
   <p:clrMapOvr>
     <a:masterClrMapping/>
   </p:clrMapOvr>
+  <p:timing>
+    <p:tnLst>
+      <p:par>
+        <p:cTn id="1" dur="indefinite" restart="never" nodeType="tmRoot"/>
+      </p:par>
+    </p:tnLst>
+  </p:timing>
 </p:sld>
 </file>
 
@@ -21169,6 +21876,13 @@
   <p:clrMapOvr>
     <a:masterClrMapping/>
   </p:clrMapOvr>
+  <p:timing>
+    <p:tnLst>
+      <p:par>
+        <p:cTn id="1" dur="indefinite" restart="never" nodeType="tmRoot"/>
+      </p:par>
+    </p:tnLst>
+  </p:timing>
 </p:sld>
 </file>
 
@@ -21327,6 +22041,13 @@
   <p:clrMapOvr>
     <a:masterClrMapping/>
   </p:clrMapOvr>
+  <p:timing>
+    <p:tnLst>
+      <p:par>
+        <p:cTn id="1" dur="indefinite" restart="never" nodeType="tmRoot"/>
+      </p:par>
+    </p:tnLst>
+  </p:timing>
 </p:sld>
 </file>
 
